--- a/Scanner.pptx
+++ b/Scanner.pptx
@@ -6,12 +6,15 @@
   </p:sldMasterIdLst>
   <p:sldIdLst>
     <p:sldId id="256" r:id="rId2"/>
-    <p:sldId id="258" r:id="rId3"/>
-    <p:sldId id="257" r:id="rId4"/>
-    <p:sldId id="261" r:id="rId5"/>
-    <p:sldId id="260" r:id="rId6"/>
-    <p:sldId id="259" r:id="rId7"/>
-    <p:sldId id="262" r:id="rId8"/>
+    <p:sldId id="257" r:id="rId3"/>
+    <p:sldId id="265" r:id="rId4"/>
+    <p:sldId id="266" r:id="rId5"/>
+    <p:sldId id="258" r:id="rId6"/>
+    <p:sldId id="261" r:id="rId7"/>
+    <p:sldId id="260" r:id="rId8"/>
+    <p:sldId id="259" r:id="rId9"/>
+    <p:sldId id="264" r:id="rId10"/>
+    <p:sldId id="262" r:id="rId11"/>
   </p:sldIdLst>
   <p:sldSz cx="12192000" cy="6858000"/>
   <p:notesSz cx="6858000" cy="9144000"/>
@@ -306,7 +309,7 @@
           <a:p>
             <a:fld id="{985B1955-A219-44B2-9BDB-5DA3728BC19A}" type="datetimeFigureOut">
               <a:rPr lang="en-PH" smtClean="0"/>
-              <a:t>23/11/2020</a:t>
+              <a:t>02/12/2020</a:t>
             </a:fld>
             <a:endParaRPr lang="en-PH"/>
           </a:p>
@@ -644,7 +647,7 @@
           <a:p>
             <a:fld id="{985B1955-A219-44B2-9BDB-5DA3728BC19A}" type="datetimeFigureOut">
               <a:rPr lang="en-PH" smtClean="0"/>
-              <a:t>23/11/2020</a:t>
+              <a:t>02/12/2020</a:t>
             </a:fld>
             <a:endParaRPr lang="en-PH"/>
           </a:p>
@@ -1045,7 +1048,7 @@
           <a:p>
             <a:fld id="{985B1955-A219-44B2-9BDB-5DA3728BC19A}" type="datetimeFigureOut">
               <a:rPr lang="en-PH" smtClean="0"/>
-              <a:t>23/11/2020</a:t>
+              <a:t>02/12/2020</a:t>
             </a:fld>
             <a:endParaRPr lang="en-PH"/>
           </a:p>
@@ -1381,7 +1384,7 @@
           <a:p>
             <a:fld id="{985B1955-A219-44B2-9BDB-5DA3728BC19A}" type="datetimeFigureOut">
               <a:rPr lang="en-PH" smtClean="0"/>
-              <a:t>23/11/2020</a:t>
+              <a:t>02/12/2020</a:t>
             </a:fld>
             <a:endParaRPr lang="en-PH"/>
           </a:p>
@@ -1701,7 +1704,7 @@
           <a:p>
             <a:fld id="{985B1955-A219-44B2-9BDB-5DA3728BC19A}" type="datetimeFigureOut">
               <a:rPr lang="en-PH" smtClean="0"/>
-              <a:t>23/11/2020</a:t>
+              <a:t>02/12/2020</a:t>
             </a:fld>
             <a:endParaRPr lang="en-PH"/>
           </a:p>
@@ -2097,7 +2100,7 @@
           <a:p>
             <a:fld id="{985B1955-A219-44B2-9BDB-5DA3728BC19A}" type="datetimeFigureOut">
               <a:rPr lang="en-PH" smtClean="0"/>
-              <a:t>23/11/2020</a:t>
+              <a:t>02/12/2020</a:t>
             </a:fld>
             <a:endParaRPr lang="en-PH"/>
           </a:p>
@@ -2354,7 +2357,7 @@
           <a:p>
             <a:fld id="{985B1955-A219-44B2-9BDB-5DA3728BC19A}" type="datetimeFigureOut">
               <a:rPr lang="en-PH" smtClean="0"/>
-              <a:t>23/11/2020</a:t>
+              <a:t>02/12/2020</a:t>
             </a:fld>
             <a:endParaRPr lang="en-PH"/>
           </a:p>
@@ -2616,7 +2619,7 @@
           <a:p>
             <a:fld id="{985B1955-A219-44B2-9BDB-5DA3728BC19A}" type="datetimeFigureOut">
               <a:rPr lang="en-PH" smtClean="0"/>
-              <a:t>23/11/2020</a:t>
+              <a:t>02/12/2020</a:t>
             </a:fld>
             <a:endParaRPr lang="en-PH"/>
           </a:p>
@@ -2878,7 +2881,7 @@
           <a:p>
             <a:fld id="{985B1955-A219-44B2-9BDB-5DA3728BC19A}" type="datetimeFigureOut">
               <a:rPr lang="en-PH" smtClean="0"/>
-              <a:t>23/11/2020</a:t>
+              <a:t>02/12/2020</a:t>
             </a:fld>
             <a:endParaRPr lang="en-PH"/>
           </a:p>
@@ -3207,7 +3210,7 @@
           <a:p>
             <a:fld id="{985B1955-A219-44B2-9BDB-5DA3728BC19A}" type="datetimeFigureOut">
               <a:rPr lang="en-PH" smtClean="0"/>
-              <a:t>23/11/2020</a:t>
+              <a:t>02/12/2020</a:t>
             </a:fld>
             <a:endParaRPr lang="en-PH"/>
           </a:p>
@@ -3530,7 +3533,7 @@
           <a:p>
             <a:fld id="{985B1955-A219-44B2-9BDB-5DA3728BC19A}" type="datetimeFigureOut">
               <a:rPr lang="en-PH" smtClean="0"/>
-              <a:t>23/11/2020</a:t>
+              <a:t>02/12/2020</a:t>
             </a:fld>
             <a:endParaRPr lang="en-PH"/>
           </a:p>
@@ -3987,7 +3990,7 @@
           <a:p>
             <a:fld id="{985B1955-A219-44B2-9BDB-5DA3728BC19A}" type="datetimeFigureOut">
               <a:rPr lang="en-PH" smtClean="0"/>
-              <a:t>23/11/2020</a:t>
+              <a:t>02/12/2020</a:t>
             </a:fld>
             <a:endParaRPr lang="en-PH"/>
           </a:p>
@@ -4192,7 +4195,7 @@
           <a:p>
             <a:fld id="{985B1955-A219-44B2-9BDB-5DA3728BC19A}" type="datetimeFigureOut">
               <a:rPr lang="en-PH" smtClean="0"/>
-              <a:t>23/11/2020</a:t>
+              <a:t>02/12/2020</a:t>
             </a:fld>
             <a:endParaRPr lang="en-PH"/>
           </a:p>
@@ -4369,7 +4372,7 @@
           <a:p>
             <a:fld id="{985B1955-A219-44B2-9BDB-5DA3728BC19A}" type="datetimeFigureOut">
               <a:rPr lang="en-PH" smtClean="0"/>
-              <a:t>23/11/2020</a:t>
+              <a:t>02/12/2020</a:t>
             </a:fld>
             <a:endParaRPr lang="en-PH"/>
           </a:p>
@@ -4702,7 +4705,7 @@
           <a:p>
             <a:fld id="{985B1955-A219-44B2-9BDB-5DA3728BC19A}" type="datetimeFigureOut">
               <a:rPr lang="en-PH" smtClean="0"/>
-              <a:t>23/11/2020</a:t>
+              <a:t>02/12/2020</a:t>
             </a:fld>
             <a:endParaRPr lang="en-PH"/>
           </a:p>
@@ -5047,7 +5050,7 @@
           <a:p>
             <a:fld id="{985B1955-A219-44B2-9BDB-5DA3728BC19A}" type="datetimeFigureOut">
               <a:rPr lang="en-PH" smtClean="0"/>
-              <a:t>23/11/2020</a:t>
+              <a:t>02/12/2020</a:t>
             </a:fld>
             <a:endParaRPr lang="en-PH"/>
           </a:p>
@@ -7164,7 +7167,7 @@
           <a:p>
             <a:fld id="{985B1955-A219-44B2-9BDB-5DA3728BC19A}" type="datetimeFigureOut">
               <a:rPr lang="en-PH" smtClean="0"/>
-              <a:t>23/11/2020</a:t>
+              <a:t>02/12/2020</a:t>
             </a:fld>
             <a:endParaRPr lang="en-PH"/>
           </a:p>
@@ -7753,7 +7756,415 @@
 </p:sld>
 </file>
 
+<file path=ppt/slides/slide10.xml><?xml version="1.0" encoding="utf-8"?>
+<p:sld xmlns:a="http://schemas.openxmlformats.org/drawingml/2006/main" xmlns:r="http://schemas.openxmlformats.org/officeDocument/2006/relationships" xmlns:p="http://schemas.openxmlformats.org/presentationml/2006/main">
+  <p:cSld>
+    <p:spTree>
+      <p:nvGrpSpPr>
+        <p:cNvPr id="1" name=""/>
+        <p:cNvGrpSpPr/>
+        <p:nvPr/>
+      </p:nvGrpSpPr>
+      <p:grpSpPr>
+        <a:xfrm>
+          <a:off x="0" y="0"/>
+          <a:ext cx="0" cy="0"/>
+          <a:chOff x="0" y="0"/>
+          <a:chExt cx="0" cy="0"/>
+        </a:xfrm>
+      </p:grpSpPr>
+      <p:sp>
+        <p:nvSpPr>
+          <p:cNvPr id="2" name="Title 1">
+            <a:extLst>
+              <a:ext uri="{FF2B5EF4-FFF2-40B4-BE49-F238E27FC236}">
+                <a16:creationId xmlns:a16="http://schemas.microsoft.com/office/drawing/2014/main" id="{473E016D-FF05-4A43-BDFA-019F567EFD7E}"/>
+              </a:ext>
+            </a:extLst>
+          </p:cNvPr>
+          <p:cNvSpPr>
+            <a:spLocks noGrp="1"/>
+          </p:cNvSpPr>
+          <p:nvPr>
+            <p:ph type="title"/>
+          </p:nvPr>
+        </p:nvSpPr>
+        <p:spPr/>
+        <p:txBody>
+          <a:bodyPr/>
+          <a:lstStyle/>
+          <a:p>
+            <a:r>
+              <a:rPr lang="en-US" dirty="0"/>
+              <a:t>Unknown Tokens</a:t>
+            </a:r>
+            <a:endParaRPr lang="en-PH" dirty="0"/>
+          </a:p>
+        </p:txBody>
+      </p:sp>
+      <p:sp>
+        <p:nvSpPr>
+          <p:cNvPr id="3" name="Content Placeholder 2">
+            <a:extLst>
+              <a:ext uri="{FF2B5EF4-FFF2-40B4-BE49-F238E27FC236}">
+                <a16:creationId xmlns:a16="http://schemas.microsoft.com/office/drawing/2014/main" id="{E57FCA3D-7242-4C1B-B27F-E33DBC077AD7}"/>
+              </a:ext>
+            </a:extLst>
+          </p:cNvPr>
+          <p:cNvSpPr>
+            <a:spLocks noGrp="1"/>
+          </p:cNvSpPr>
+          <p:nvPr>
+            <p:ph idx="1"/>
+          </p:nvPr>
+        </p:nvSpPr>
+        <p:spPr/>
+        <p:txBody>
+          <a:bodyPr/>
+          <a:lstStyle/>
+          <a:p>
+            <a:r>
+              <a:rPr lang="en-US" dirty="0"/>
+              <a:t>All unknown tokens are identified with ERROR token type</a:t>
+            </a:r>
+          </a:p>
+          <a:p>
+            <a:r>
+              <a:rPr lang="en-US" dirty="0"/>
+              <a:t>This does not include empty strings or newlines which return null</a:t>
+            </a:r>
+            <a:endParaRPr lang="en-PH" dirty="0"/>
+          </a:p>
+        </p:txBody>
+      </p:sp>
+      <p:pic>
+        <p:nvPicPr>
+          <p:cNvPr id="5" name="Picture 4">
+            <a:extLst>
+              <a:ext uri="{FF2B5EF4-FFF2-40B4-BE49-F238E27FC236}">
+                <a16:creationId xmlns:a16="http://schemas.microsoft.com/office/drawing/2014/main" id="{5C82855D-93AF-44DD-9575-AAD2E90BE22A}"/>
+              </a:ext>
+            </a:extLst>
+          </p:cNvPr>
+          <p:cNvPicPr>
+            <a:picLocks noChangeAspect="1"/>
+          </p:cNvPicPr>
+          <p:nvPr/>
+        </p:nvPicPr>
+        <p:blipFill>
+          <a:blip r:embed="rId2"/>
+          <a:stretch>
+            <a:fillRect/>
+          </a:stretch>
+        </p:blipFill>
+        <p:spPr>
+          <a:xfrm>
+            <a:off x="3828740" y="3763410"/>
+            <a:ext cx="4534520" cy="878164"/>
+          </a:xfrm>
+          <a:prstGeom prst="rect">
+            <a:avLst/>
+          </a:prstGeom>
+        </p:spPr>
+      </p:pic>
+      <p:pic>
+        <p:nvPicPr>
+          <p:cNvPr id="9" name="Picture 8">
+            <a:extLst>
+              <a:ext uri="{FF2B5EF4-FFF2-40B4-BE49-F238E27FC236}">
+                <a16:creationId xmlns:a16="http://schemas.microsoft.com/office/drawing/2014/main" id="{3E407C6B-50B7-42B4-B85D-7BA22FBE9296}"/>
+              </a:ext>
+            </a:extLst>
+          </p:cNvPr>
+          <p:cNvPicPr>
+            <a:picLocks noChangeAspect="1"/>
+          </p:cNvPicPr>
+          <p:nvPr/>
+        </p:nvPicPr>
+        <p:blipFill>
+          <a:blip r:embed="rId3"/>
+          <a:stretch>
+            <a:fillRect/>
+          </a:stretch>
+        </p:blipFill>
+        <p:spPr>
+          <a:xfrm>
+            <a:off x="3828740" y="5123480"/>
+            <a:ext cx="4608072" cy="524496"/>
+          </a:xfrm>
+          <a:prstGeom prst="rect">
+            <a:avLst/>
+          </a:prstGeom>
+        </p:spPr>
+      </p:pic>
+    </p:spTree>
+    <p:extLst>
+      <p:ext uri="{BB962C8B-B14F-4D97-AF65-F5344CB8AC3E}">
+        <p14:creationId xmlns:p14="http://schemas.microsoft.com/office/powerpoint/2010/main" val="1690169498"/>
+      </p:ext>
+    </p:extLst>
+  </p:cSld>
+  <p:clrMapOvr>
+    <a:masterClrMapping/>
+  </p:clrMapOvr>
+</p:sld>
+</file>
+
 <file path=ppt/slides/slide2.xml><?xml version="1.0" encoding="utf-8"?>
+<p:sld xmlns:a="http://schemas.openxmlformats.org/drawingml/2006/main" xmlns:r="http://schemas.openxmlformats.org/officeDocument/2006/relationships" xmlns:p="http://schemas.openxmlformats.org/presentationml/2006/main">
+  <p:cSld>
+    <p:spTree>
+      <p:nvGrpSpPr>
+        <p:cNvPr id="1" name=""/>
+        <p:cNvGrpSpPr/>
+        <p:nvPr/>
+      </p:nvGrpSpPr>
+      <p:grpSpPr>
+        <a:xfrm>
+          <a:off x="0" y="0"/>
+          <a:ext cx="0" cy="0"/>
+          <a:chOff x="0" y="0"/>
+          <a:chExt cx="0" cy="0"/>
+        </a:xfrm>
+      </p:grpSpPr>
+      <p:sp>
+        <p:nvSpPr>
+          <p:cNvPr id="2" name="Title 1">
+            <a:extLst>
+              <a:ext uri="{FF2B5EF4-FFF2-40B4-BE49-F238E27FC236}">
+                <a16:creationId xmlns:a16="http://schemas.microsoft.com/office/drawing/2014/main" id="{473E016D-FF05-4A43-BDFA-019F567EFD7E}"/>
+              </a:ext>
+            </a:extLst>
+          </p:cNvPr>
+          <p:cNvSpPr>
+            <a:spLocks noGrp="1"/>
+          </p:cNvSpPr>
+          <p:nvPr>
+            <p:ph type="title"/>
+          </p:nvPr>
+        </p:nvSpPr>
+        <p:spPr/>
+        <p:txBody>
+          <a:bodyPr/>
+          <a:lstStyle/>
+          <a:p>
+            <a:r>
+              <a:rPr lang="en-PH" dirty="0"/>
+              <a:t>Test Case #1</a:t>
+            </a:r>
+          </a:p>
+        </p:txBody>
+      </p:sp>
+      <p:sp>
+        <p:nvSpPr>
+          <p:cNvPr id="3" name="Content Placeholder 2">
+            <a:extLst>
+              <a:ext uri="{FF2B5EF4-FFF2-40B4-BE49-F238E27FC236}">
+                <a16:creationId xmlns:a16="http://schemas.microsoft.com/office/drawing/2014/main" id="{E57FCA3D-7242-4C1B-B27F-E33DBC077AD7}"/>
+              </a:ext>
+            </a:extLst>
+          </p:cNvPr>
+          <p:cNvSpPr>
+            <a:spLocks noGrp="1"/>
+          </p:cNvSpPr>
+          <p:nvPr>
+            <p:ph idx="1"/>
+          </p:nvPr>
+        </p:nvSpPr>
+        <p:spPr/>
+        <p:txBody>
+          <a:bodyPr/>
+          <a:lstStyle/>
+          <a:p>
+            <a:endParaRPr lang="en-PH"/>
+          </a:p>
+        </p:txBody>
+      </p:sp>
+    </p:spTree>
+    <p:extLst>
+      <p:ext uri="{BB962C8B-B14F-4D97-AF65-F5344CB8AC3E}">
+        <p14:creationId xmlns:p14="http://schemas.microsoft.com/office/powerpoint/2010/main" val="3217465027"/>
+      </p:ext>
+    </p:extLst>
+  </p:cSld>
+  <p:clrMapOvr>
+    <a:masterClrMapping/>
+  </p:clrMapOvr>
+</p:sld>
+</file>
+
+<file path=ppt/slides/slide3.xml><?xml version="1.0" encoding="utf-8"?>
+<p:sld xmlns:a="http://schemas.openxmlformats.org/drawingml/2006/main" xmlns:r="http://schemas.openxmlformats.org/officeDocument/2006/relationships" xmlns:p="http://schemas.openxmlformats.org/presentationml/2006/main">
+  <p:cSld>
+    <p:spTree>
+      <p:nvGrpSpPr>
+        <p:cNvPr id="1" name=""/>
+        <p:cNvGrpSpPr/>
+        <p:nvPr/>
+      </p:nvGrpSpPr>
+      <p:grpSpPr>
+        <a:xfrm>
+          <a:off x="0" y="0"/>
+          <a:ext cx="0" cy="0"/>
+          <a:chOff x="0" y="0"/>
+          <a:chExt cx="0" cy="0"/>
+        </a:xfrm>
+      </p:grpSpPr>
+      <p:sp>
+        <p:nvSpPr>
+          <p:cNvPr id="2" name="Title 1">
+            <a:extLst>
+              <a:ext uri="{FF2B5EF4-FFF2-40B4-BE49-F238E27FC236}">
+                <a16:creationId xmlns:a16="http://schemas.microsoft.com/office/drawing/2014/main" id="{473E016D-FF05-4A43-BDFA-019F567EFD7E}"/>
+              </a:ext>
+            </a:extLst>
+          </p:cNvPr>
+          <p:cNvSpPr>
+            <a:spLocks noGrp="1"/>
+          </p:cNvSpPr>
+          <p:nvPr>
+            <p:ph type="title"/>
+          </p:nvPr>
+        </p:nvSpPr>
+        <p:spPr/>
+        <p:txBody>
+          <a:bodyPr/>
+          <a:lstStyle/>
+          <a:p>
+            <a:r>
+              <a:rPr lang="en-PH" dirty="0"/>
+              <a:t>Test Case #2</a:t>
+            </a:r>
+          </a:p>
+        </p:txBody>
+      </p:sp>
+      <p:sp>
+        <p:nvSpPr>
+          <p:cNvPr id="3" name="Content Placeholder 2">
+            <a:extLst>
+              <a:ext uri="{FF2B5EF4-FFF2-40B4-BE49-F238E27FC236}">
+                <a16:creationId xmlns:a16="http://schemas.microsoft.com/office/drawing/2014/main" id="{E57FCA3D-7242-4C1B-B27F-E33DBC077AD7}"/>
+              </a:ext>
+            </a:extLst>
+          </p:cNvPr>
+          <p:cNvSpPr>
+            <a:spLocks noGrp="1"/>
+          </p:cNvSpPr>
+          <p:nvPr>
+            <p:ph idx="1"/>
+          </p:nvPr>
+        </p:nvSpPr>
+        <p:spPr/>
+        <p:txBody>
+          <a:bodyPr/>
+          <a:lstStyle/>
+          <a:p>
+            <a:endParaRPr lang="en-PH"/>
+          </a:p>
+        </p:txBody>
+      </p:sp>
+    </p:spTree>
+    <p:extLst>
+      <p:ext uri="{BB962C8B-B14F-4D97-AF65-F5344CB8AC3E}">
+        <p14:creationId xmlns:p14="http://schemas.microsoft.com/office/powerpoint/2010/main" val="1821460639"/>
+      </p:ext>
+    </p:extLst>
+  </p:cSld>
+  <p:clrMapOvr>
+    <a:masterClrMapping/>
+  </p:clrMapOvr>
+</p:sld>
+</file>
+
+<file path=ppt/slides/slide4.xml><?xml version="1.0" encoding="utf-8"?>
+<p:sld xmlns:a="http://schemas.openxmlformats.org/drawingml/2006/main" xmlns:r="http://schemas.openxmlformats.org/officeDocument/2006/relationships" xmlns:p="http://schemas.openxmlformats.org/presentationml/2006/main">
+  <p:cSld>
+    <p:spTree>
+      <p:nvGrpSpPr>
+        <p:cNvPr id="1" name=""/>
+        <p:cNvGrpSpPr/>
+        <p:nvPr/>
+      </p:nvGrpSpPr>
+      <p:grpSpPr>
+        <a:xfrm>
+          <a:off x="0" y="0"/>
+          <a:ext cx="0" cy="0"/>
+          <a:chOff x="0" y="0"/>
+          <a:chExt cx="0" cy="0"/>
+        </a:xfrm>
+      </p:grpSpPr>
+      <p:sp>
+        <p:nvSpPr>
+          <p:cNvPr id="2" name="Title 1">
+            <a:extLst>
+              <a:ext uri="{FF2B5EF4-FFF2-40B4-BE49-F238E27FC236}">
+                <a16:creationId xmlns:a16="http://schemas.microsoft.com/office/drawing/2014/main" id="{473E016D-FF05-4A43-BDFA-019F567EFD7E}"/>
+              </a:ext>
+            </a:extLst>
+          </p:cNvPr>
+          <p:cNvSpPr>
+            <a:spLocks noGrp="1"/>
+          </p:cNvSpPr>
+          <p:nvPr>
+            <p:ph type="title"/>
+          </p:nvPr>
+        </p:nvSpPr>
+        <p:spPr/>
+        <p:txBody>
+          <a:bodyPr/>
+          <a:lstStyle/>
+          <a:p>
+            <a:r>
+              <a:rPr lang="en-PH" dirty="0"/>
+              <a:t>Test </a:t>
+            </a:r>
+            <a:r>
+              <a:rPr lang="en-PH"/>
+              <a:t>Case #3</a:t>
+            </a:r>
+            <a:endParaRPr lang="en-PH" dirty="0"/>
+          </a:p>
+        </p:txBody>
+      </p:sp>
+      <p:sp>
+        <p:nvSpPr>
+          <p:cNvPr id="3" name="Content Placeholder 2">
+            <a:extLst>
+              <a:ext uri="{FF2B5EF4-FFF2-40B4-BE49-F238E27FC236}">
+                <a16:creationId xmlns:a16="http://schemas.microsoft.com/office/drawing/2014/main" id="{E57FCA3D-7242-4C1B-B27F-E33DBC077AD7}"/>
+              </a:ext>
+            </a:extLst>
+          </p:cNvPr>
+          <p:cNvSpPr>
+            <a:spLocks noGrp="1"/>
+          </p:cNvSpPr>
+          <p:nvPr>
+            <p:ph idx="1"/>
+          </p:nvPr>
+        </p:nvSpPr>
+        <p:spPr/>
+        <p:txBody>
+          <a:bodyPr/>
+          <a:lstStyle/>
+          <a:p>
+            <a:endParaRPr lang="en-PH"/>
+          </a:p>
+        </p:txBody>
+      </p:sp>
+    </p:spTree>
+    <p:extLst>
+      <p:ext uri="{BB962C8B-B14F-4D97-AF65-F5344CB8AC3E}">
+        <p14:creationId xmlns:p14="http://schemas.microsoft.com/office/powerpoint/2010/main" val="3539267226"/>
+      </p:ext>
+    </p:extLst>
+  </p:cSld>
+  <p:clrMapOvr>
+    <a:masterClrMapping/>
+  </p:clrMapOvr>
+</p:sld>
+</file>
+
+<file path=ppt/slides/slide5.xml><?xml version="1.0" encoding="utf-8"?>
 <p:sld xmlns:a="http://schemas.openxmlformats.org/drawingml/2006/main" xmlns:r="http://schemas.openxmlformats.org/officeDocument/2006/relationships" xmlns:p="http://schemas.openxmlformats.org/presentationml/2006/main">
   <p:cSld>
     <p:spTree>
@@ -7850,6 +8261,36 @@
           </a:p>
         </p:txBody>
       </p:sp>
+      <p:pic>
+        <p:nvPicPr>
+          <p:cNvPr id="5" name="Picture 4">
+            <a:extLst>
+              <a:ext uri="{FF2B5EF4-FFF2-40B4-BE49-F238E27FC236}">
+                <a16:creationId xmlns:a16="http://schemas.microsoft.com/office/drawing/2014/main" id="{00EAF3A4-0C0F-46E7-A196-3C7AF96E7946}"/>
+              </a:ext>
+            </a:extLst>
+          </p:cNvPr>
+          <p:cNvPicPr>
+            <a:picLocks noChangeAspect="1"/>
+          </p:cNvPicPr>
+          <p:nvPr/>
+        </p:nvPicPr>
+        <p:blipFill>
+          <a:blip r:embed="rId2"/>
+          <a:stretch>
+            <a:fillRect/>
+          </a:stretch>
+        </p:blipFill>
+        <p:spPr>
+          <a:xfrm>
+            <a:off x="3024809" y="3992594"/>
+            <a:ext cx="7520608" cy="1324653"/>
+          </a:xfrm>
+          <a:prstGeom prst="rect">
+            <a:avLst/>
+          </a:prstGeom>
+        </p:spPr>
+      </p:pic>
     </p:spTree>
     <p:extLst>
       <p:ext uri="{BB962C8B-B14F-4D97-AF65-F5344CB8AC3E}">
@@ -7863,87 +8304,7 @@
 </p:sld>
 </file>
 
-<file path=ppt/slides/slide3.xml><?xml version="1.0" encoding="utf-8"?>
-<p:sld xmlns:a="http://schemas.openxmlformats.org/drawingml/2006/main" xmlns:r="http://schemas.openxmlformats.org/officeDocument/2006/relationships" xmlns:p="http://schemas.openxmlformats.org/presentationml/2006/main">
-  <p:cSld>
-    <p:spTree>
-      <p:nvGrpSpPr>
-        <p:cNvPr id="1" name=""/>
-        <p:cNvGrpSpPr/>
-        <p:nvPr/>
-      </p:nvGrpSpPr>
-      <p:grpSpPr>
-        <a:xfrm>
-          <a:off x="0" y="0"/>
-          <a:ext cx="0" cy="0"/>
-          <a:chOff x="0" y="0"/>
-          <a:chExt cx="0" cy="0"/>
-        </a:xfrm>
-      </p:grpSpPr>
-      <p:sp>
-        <p:nvSpPr>
-          <p:cNvPr id="2" name="Title 1">
-            <a:extLst>
-              <a:ext uri="{FF2B5EF4-FFF2-40B4-BE49-F238E27FC236}">
-                <a16:creationId xmlns:a16="http://schemas.microsoft.com/office/drawing/2014/main" id="{473E016D-FF05-4A43-BDFA-019F567EFD7E}"/>
-              </a:ext>
-            </a:extLst>
-          </p:cNvPr>
-          <p:cNvSpPr>
-            <a:spLocks noGrp="1"/>
-          </p:cNvSpPr>
-          <p:nvPr>
-            <p:ph type="title"/>
-          </p:nvPr>
-        </p:nvSpPr>
-        <p:spPr/>
-        <p:txBody>
-          <a:bodyPr/>
-          <a:lstStyle/>
-          <a:p>
-            <a:endParaRPr lang="en-PH" dirty="0"/>
-          </a:p>
-        </p:txBody>
-      </p:sp>
-      <p:sp>
-        <p:nvSpPr>
-          <p:cNvPr id="3" name="Content Placeholder 2">
-            <a:extLst>
-              <a:ext uri="{FF2B5EF4-FFF2-40B4-BE49-F238E27FC236}">
-                <a16:creationId xmlns:a16="http://schemas.microsoft.com/office/drawing/2014/main" id="{E57FCA3D-7242-4C1B-B27F-E33DBC077AD7}"/>
-              </a:ext>
-            </a:extLst>
-          </p:cNvPr>
-          <p:cNvSpPr>
-            <a:spLocks noGrp="1"/>
-          </p:cNvSpPr>
-          <p:nvPr>
-            <p:ph idx="1"/>
-          </p:nvPr>
-        </p:nvSpPr>
-        <p:spPr/>
-        <p:txBody>
-          <a:bodyPr/>
-          <a:lstStyle/>
-          <a:p>
-            <a:endParaRPr lang="en-PH"/>
-          </a:p>
-        </p:txBody>
-      </p:sp>
-    </p:spTree>
-    <p:extLst>
-      <p:ext uri="{BB962C8B-B14F-4D97-AF65-F5344CB8AC3E}">
-        <p14:creationId xmlns:p14="http://schemas.microsoft.com/office/powerpoint/2010/main" val="3217465027"/>
-      </p:ext>
-    </p:extLst>
-  </p:cSld>
-  <p:clrMapOvr>
-    <a:masterClrMapping/>
-  </p:clrMapOvr>
-</p:sld>
-</file>
-
-<file path=ppt/slides/slide4.xml><?xml version="1.0" encoding="utf-8"?>
+<file path=ppt/slides/slide6.xml><?xml version="1.0" encoding="utf-8"?>
 <p:sld xmlns:a="http://schemas.openxmlformats.org/drawingml/2006/main" xmlns:r="http://schemas.openxmlformats.org/officeDocument/2006/relationships" xmlns:p="http://schemas.openxmlformats.org/presentationml/2006/main">
   <p:cSld>
     <p:bg>
@@ -10800,8 +11161,8 @@
         </p:blipFill>
         <p:spPr>
           <a:xfrm>
-            <a:off x="4312461" y="1263217"/>
-            <a:ext cx="8104573" cy="3588831"/>
+            <a:off x="4068249" y="1039369"/>
+            <a:ext cx="9017851" cy="3993245"/>
           </a:xfrm>
           <a:prstGeom prst="rect">
             <a:avLst/>
@@ -10821,7 +11182,7 @@
 </p:sld>
 </file>
 
-<file path=ppt/slides/slide5.xml><?xml version="1.0" encoding="utf-8"?>
+<file path=ppt/slides/slide7.xml><?xml version="1.0" encoding="utf-8"?>
 <p:sld xmlns:a="http://schemas.openxmlformats.org/drawingml/2006/main" xmlns:r="http://schemas.openxmlformats.org/officeDocument/2006/relationships" xmlns:p="http://schemas.openxmlformats.org/presentationml/2006/main">
   <p:cSld>
     <p:bg>
@@ -13678,8 +14039,8 @@
         </p:blipFill>
         <p:spPr>
           <a:xfrm>
-            <a:off x="4654422" y="1369198"/>
-            <a:ext cx="7709125" cy="3574660"/>
+            <a:off x="4388722" y="1089755"/>
+            <a:ext cx="8504028" cy="3943250"/>
           </a:xfrm>
           <a:prstGeom prst="rect">
             <a:avLst/>
@@ -13699,7 +14060,7 @@
 </p:sld>
 </file>
 
-<file path=ppt/slides/slide6.xml><?xml version="1.0" encoding="utf-8"?>
+<file path=ppt/slides/slide8.xml><?xml version="1.0" encoding="utf-8"?>
 <p:sld xmlns:a="http://schemas.openxmlformats.org/drawingml/2006/main" xmlns:r="http://schemas.openxmlformats.org/officeDocument/2006/relationships" xmlns:p="http://schemas.openxmlformats.org/presentationml/2006/main">
   <p:cSld>
     <p:bg>
@@ -16551,13 +16912,13 @@
         </p:nvPicPr>
         <p:blipFill rotWithShape="1">
           <a:blip r:embed="rId2"/>
-          <a:srcRect t="4761" b="4761"/>
+          <a:srcRect l="2361" t="13890" r="2929" b="19164"/>
           <a:stretch/>
         </p:blipFill>
         <p:spPr>
           <a:xfrm>
-            <a:off x="4666948" y="1665989"/>
-            <a:ext cx="7510265" cy="3244678"/>
+            <a:off x="4643980" y="2059142"/>
+            <a:ext cx="7566748" cy="2553942"/>
           </a:xfrm>
           <a:prstGeom prst="rect">
             <a:avLst/>
@@ -16577,9 +16938,35 @@
 </p:sld>
 </file>
 
-<file path=ppt/slides/slide7.xml><?xml version="1.0" encoding="utf-8"?>
+<file path=ppt/slides/slide9.xml><?xml version="1.0" encoding="utf-8"?>
 <p:sld xmlns:a="http://schemas.openxmlformats.org/drawingml/2006/main" xmlns:r="http://schemas.openxmlformats.org/officeDocument/2006/relationships" xmlns:p="http://schemas.openxmlformats.org/presentationml/2006/main">
   <p:cSld>
+    <p:bg>
+      <p:bgPr>
+        <a:gradFill rotWithShape="1">
+          <a:gsLst>
+            <a:gs pos="0">
+              <a:schemeClr val="bg2">
+                <a:tint val="90000"/>
+                <a:satMod val="92000"/>
+                <a:lumMod val="120000"/>
+              </a:schemeClr>
+            </a:gs>
+            <a:gs pos="100000">
+              <a:schemeClr val="bg2">
+                <a:shade val="98000"/>
+                <a:satMod val="120000"/>
+                <a:lumMod val="98000"/>
+              </a:schemeClr>
+            </a:gs>
+          </a:gsLst>
+          <a:path path="circle">
+            <a:fillToRect l="50000" t="50000" r="100000" b="100000"/>
+          </a:path>
+        </a:gradFill>
+        <a:effectLst/>
+      </p:bgPr>
+    </p:bg>
     <p:spTree>
       <p:nvGrpSpPr>
         <p:cNvPr id="1" name=""/>
@@ -16594,12 +16981,2456 @@
           <a:chExt cx="0" cy="0"/>
         </a:xfrm>
       </p:grpSpPr>
+      <p:grpSp>
+        <p:nvGrpSpPr>
+          <p:cNvPr id="11" name="Group 10">
+            <a:extLst>
+              <a:ext uri="{FF2B5EF4-FFF2-40B4-BE49-F238E27FC236}">
+                <a16:creationId xmlns:a16="http://schemas.microsoft.com/office/drawing/2014/main" id="{166BF9EE-F7AC-4FA5-AC7E-001B3A642F75}"/>
+              </a:ext>
+              <a:ext uri="{C183D7F6-B498-43B3-948B-1728B52AA6E4}">
+                <adec:decorative xmlns:adec="http://schemas.microsoft.com/office/drawing/2017/decorative" val="1"/>
+              </a:ext>
+            </a:extLst>
+          </p:cNvPr>
+          <p:cNvGrpSpPr>
+            <a:grpSpLocks noGrp="1" noUngrp="1" noRot="1" noChangeAspect="1" noMove="1" noResize="1"/>
+          </p:cNvGrpSpPr>
+          <p:nvPr>
+            <p:extLst>
+              <p:ext uri="{386F3935-93C4-4BCD-93E2-E3B085C9AB24}">
+                <p16:designElem xmlns:p16="http://schemas.microsoft.com/office/powerpoint/2015/main" val="1"/>
+              </p:ext>
+            </p:extLst>
+          </p:nvPr>
+        </p:nvGrpSpPr>
+        <p:grpSpPr>
+          <a:xfrm>
+            <a:off x="9" y="228600"/>
+            <a:ext cx="2851523" cy="6638625"/>
+            <a:chOff x="2487613" y="285750"/>
+            <a:chExt cx="2428875" cy="5654676"/>
+          </a:xfrm>
+        </p:grpSpPr>
+        <p:sp>
+          <p:nvSpPr>
+            <p:cNvPr id="12" name="Freeform 11">
+              <a:extLst>
+                <a:ext uri="{FF2B5EF4-FFF2-40B4-BE49-F238E27FC236}">
+                  <a16:creationId xmlns:a16="http://schemas.microsoft.com/office/drawing/2014/main" id="{3B48D182-44E3-4D8B-ACEF-F1A900BE4430}"/>
+                </a:ext>
+                <a:ext uri="{C183D7F6-B498-43B3-948B-1728B52AA6E4}">
+                  <adec:decorative xmlns:adec="http://schemas.microsoft.com/office/drawing/2017/decorative" val="1"/>
+                </a:ext>
+              </a:extLst>
+            </p:cNvPr>
+            <p:cNvSpPr/>
+            <p:nvPr>
+              <p:extLst>
+                <p:ext uri="{386F3935-93C4-4BCD-93E2-E3B085C9AB24}">
+                  <p16:designElem xmlns:p16="http://schemas.microsoft.com/office/powerpoint/2015/main" val="1"/>
+                </p:ext>
+              </p:extLst>
+            </p:nvPr>
+          </p:nvSpPr>
+          <p:spPr bwMode="auto">
+            <a:xfrm>
+              <a:off x="2487613" y="2284413"/>
+              <a:ext cx="85725" cy="533400"/>
+            </a:xfrm>
+            <a:custGeom>
+              <a:avLst/>
+              <a:gdLst/>
+              <a:ahLst/>
+              <a:cxnLst/>
+              <a:rect l="0" t="0" r="r" b="b"/>
+              <a:pathLst>
+                <a:path w="22" h="136">
+                  <a:moveTo>
+                    <a:pt x="22" y="136"/>
+                  </a:moveTo>
+                  <a:cubicBezTo>
+                    <a:pt x="20" y="117"/>
+                    <a:pt x="19" y="99"/>
+                    <a:pt x="17" y="80"/>
+                  </a:cubicBezTo>
+                  <a:cubicBezTo>
+                    <a:pt x="11" y="54"/>
+                    <a:pt x="6" y="27"/>
+                    <a:pt x="0" y="0"/>
+                  </a:cubicBezTo>
+                  <a:cubicBezTo>
+                    <a:pt x="0" y="35"/>
+                    <a:pt x="0" y="35"/>
+                    <a:pt x="0" y="35"/>
+                  </a:cubicBezTo>
+                  <a:cubicBezTo>
+                    <a:pt x="6" y="64"/>
+                    <a:pt x="13" y="94"/>
+                    <a:pt x="20" y="124"/>
+                  </a:cubicBezTo>
+                  <a:cubicBezTo>
+                    <a:pt x="20" y="128"/>
+                    <a:pt x="21" y="132"/>
+                    <a:pt x="22" y="136"/>
+                  </a:cubicBezTo>
+                  <a:close/>
+                </a:path>
+              </a:pathLst>
+            </a:custGeom>
+            <a:solidFill>
+              <a:schemeClr val="tx2">
+                <a:alpha val="20000"/>
+              </a:schemeClr>
+            </a:solidFill>
+            <a:ln>
+              <a:noFill/>
+            </a:ln>
+          </p:spPr>
+        </p:sp>
+        <p:sp>
+          <p:nvSpPr>
+            <p:cNvPr id="13" name="Freeform 12">
+              <a:extLst>
+                <a:ext uri="{FF2B5EF4-FFF2-40B4-BE49-F238E27FC236}">
+                  <a16:creationId xmlns:a16="http://schemas.microsoft.com/office/drawing/2014/main" id="{355A535A-A489-477F-A314-593AA8CAFB21}"/>
+                </a:ext>
+                <a:ext uri="{C183D7F6-B498-43B3-948B-1728B52AA6E4}">
+                  <adec:decorative xmlns:adec="http://schemas.microsoft.com/office/drawing/2017/decorative" val="1"/>
+                </a:ext>
+              </a:extLst>
+            </p:cNvPr>
+            <p:cNvSpPr/>
+            <p:nvPr>
+              <p:extLst>
+                <p:ext uri="{386F3935-93C4-4BCD-93E2-E3B085C9AB24}">
+                  <p16:designElem xmlns:p16="http://schemas.microsoft.com/office/powerpoint/2015/main" val="1"/>
+                </p:ext>
+              </p:extLst>
+            </p:nvPr>
+          </p:nvSpPr>
+          <p:spPr bwMode="auto">
+            <a:xfrm>
+              <a:off x="2597151" y="2779713"/>
+              <a:ext cx="550863" cy="1978025"/>
+            </a:xfrm>
+            <a:custGeom>
+              <a:avLst/>
+              <a:gdLst/>
+              <a:ahLst/>
+              <a:cxnLst/>
+              <a:rect l="0" t="0" r="r" b="b"/>
+              <a:pathLst>
+                <a:path w="140" h="504">
+                  <a:moveTo>
+                    <a:pt x="86" y="350"/>
+                  </a:moveTo>
+                  <a:cubicBezTo>
+                    <a:pt x="103" y="402"/>
+                    <a:pt x="120" y="453"/>
+                    <a:pt x="139" y="504"/>
+                  </a:cubicBezTo>
+                  <a:cubicBezTo>
+                    <a:pt x="139" y="495"/>
+                    <a:pt x="139" y="487"/>
+                    <a:pt x="140" y="478"/>
+                  </a:cubicBezTo>
+                  <a:cubicBezTo>
+                    <a:pt x="124" y="435"/>
+                    <a:pt x="109" y="391"/>
+                    <a:pt x="95" y="347"/>
+                  </a:cubicBezTo>
+                  <a:cubicBezTo>
+                    <a:pt x="58" y="233"/>
+                    <a:pt x="27" y="117"/>
+                    <a:pt x="0" y="0"/>
+                  </a:cubicBezTo>
+                  <a:cubicBezTo>
+                    <a:pt x="2" y="20"/>
+                    <a:pt x="4" y="41"/>
+                    <a:pt x="6" y="61"/>
+                  </a:cubicBezTo>
+                  <a:cubicBezTo>
+                    <a:pt x="30" y="158"/>
+                    <a:pt x="56" y="255"/>
+                    <a:pt x="86" y="350"/>
+                  </a:cubicBezTo>
+                  <a:close/>
+                </a:path>
+              </a:pathLst>
+            </a:custGeom>
+            <a:solidFill>
+              <a:schemeClr val="tx2">
+                <a:alpha val="20000"/>
+              </a:schemeClr>
+            </a:solidFill>
+            <a:ln>
+              <a:noFill/>
+            </a:ln>
+          </p:spPr>
+        </p:sp>
+        <p:sp>
+          <p:nvSpPr>
+            <p:cNvPr id="14" name="Freeform 13">
+              <a:extLst>
+                <a:ext uri="{FF2B5EF4-FFF2-40B4-BE49-F238E27FC236}">
+                  <a16:creationId xmlns:a16="http://schemas.microsoft.com/office/drawing/2014/main" id="{954C2D4C-FD83-4EF4-9312-04442ABD66BF}"/>
+                </a:ext>
+                <a:ext uri="{C183D7F6-B498-43B3-948B-1728B52AA6E4}">
+                  <adec:decorative xmlns:adec="http://schemas.microsoft.com/office/drawing/2017/decorative" val="1"/>
+                </a:ext>
+              </a:extLst>
+            </p:cNvPr>
+            <p:cNvSpPr/>
+            <p:nvPr>
+              <p:extLst>
+                <p:ext uri="{386F3935-93C4-4BCD-93E2-E3B085C9AB24}">
+                  <p16:designElem xmlns:p16="http://schemas.microsoft.com/office/powerpoint/2015/main" val="1"/>
+                </p:ext>
+              </p:extLst>
+            </p:nvPr>
+          </p:nvSpPr>
+          <p:spPr bwMode="auto">
+            <a:xfrm>
+              <a:off x="3175001" y="4730750"/>
+              <a:ext cx="519113" cy="1209675"/>
+            </a:xfrm>
+            <a:custGeom>
+              <a:avLst/>
+              <a:gdLst/>
+              <a:ahLst/>
+              <a:cxnLst/>
+              <a:rect l="0" t="0" r="r" b="b"/>
+              <a:pathLst>
+                <a:path w="132" h="308">
+                  <a:moveTo>
+                    <a:pt x="8" y="22"/>
+                  </a:moveTo>
+                  <a:cubicBezTo>
+                    <a:pt x="5" y="15"/>
+                    <a:pt x="2" y="8"/>
+                    <a:pt x="0" y="0"/>
+                  </a:cubicBezTo>
+                  <a:cubicBezTo>
+                    <a:pt x="0" y="10"/>
+                    <a:pt x="0" y="19"/>
+                    <a:pt x="0" y="29"/>
+                  </a:cubicBezTo>
+                  <a:cubicBezTo>
+                    <a:pt x="21" y="85"/>
+                    <a:pt x="44" y="140"/>
+                    <a:pt x="68" y="194"/>
+                  </a:cubicBezTo>
+                  <a:cubicBezTo>
+                    <a:pt x="85" y="232"/>
+                    <a:pt x="104" y="270"/>
+                    <a:pt x="123" y="308"/>
+                  </a:cubicBezTo>
+                  <a:cubicBezTo>
+                    <a:pt x="132" y="308"/>
+                    <a:pt x="132" y="308"/>
+                    <a:pt x="132" y="308"/>
+                  </a:cubicBezTo>
+                  <a:cubicBezTo>
+                    <a:pt x="113" y="269"/>
+                    <a:pt x="94" y="230"/>
+                    <a:pt x="77" y="190"/>
+                  </a:cubicBezTo>
+                  <a:cubicBezTo>
+                    <a:pt x="52" y="135"/>
+                    <a:pt x="29" y="79"/>
+                    <a:pt x="8" y="22"/>
+                  </a:cubicBezTo>
+                  <a:close/>
+                </a:path>
+              </a:pathLst>
+            </a:custGeom>
+            <a:solidFill>
+              <a:schemeClr val="tx2">
+                <a:alpha val="20000"/>
+              </a:schemeClr>
+            </a:solidFill>
+            <a:ln>
+              <a:noFill/>
+            </a:ln>
+          </p:spPr>
+        </p:sp>
+        <p:sp>
+          <p:nvSpPr>
+            <p:cNvPr id="15" name="Freeform 14">
+              <a:extLst>
+                <a:ext uri="{FF2B5EF4-FFF2-40B4-BE49-F238E27FC236}">
+                  <a16:creationId xmlns:a16="http://schemas.microsoft.com/office/drawing/2014/main" id="{C20701C2-CD9A-4698-BC97-E1085820C2C9}"/>
+                </a:ext>
+                <a:ext uri="{C183D7F6-B498-43B3-948B-1728B52AA6E4}">
+                  <adec:decorative xmlns:adec="http://schemas.microsoft.com/office/drawing/2017/decorative" val="1"/>
+                </a:ext>
+              </a:extLst>
+            </p:cNvPr>
+            <p:cNvSpPr/>
+            <p:nvPr>
+              <p:extLst>
+                <p:ext uri="{386F3935-93C4-4BCD-93E2-E3B085C9AB24}">
+                  <p16:designElem xmlns:p16="http://schemas.microsoft.com/office/powerpoint/2015/main" val="1"/>
+                </p:ext>
+              </p:extLst>
+            </p:nvPr>
+          </p:nvSpPr>
+          <p:spPr bwMode="auto">
+            <a:xfrm>
+              <a:off x="3305176" y="5630863"/>
+              <a:ext cx="146050" cy="309563"/>
+            </a:xfrm>
+            <a:custGeom>
+              <a:avLst/>
+              <a:gdLst/>
+              <a:ahLst/>
+              <a:cxnLst/>
+              <a:rect l="0" t="0" r="r" b="b"/>
+              <a:pathLst>
+                <a:path w="37" h="79">
+                  <a:moveTo>
+                    <a:pt x="28" y="79"/>
+                  </a:moveTo>
+                  <a:cubicBezTo>
+                    <a:pt x="37" y="79"/>
+                    <a:pt x="37" y="79"/>
+                    <a:pt x="37" y="79"/>
+                  </a:cubicBezTo>
+                  <a:cubicBezTo>
+                    <a:pt x="24" y="53"/>
+                    <a:pt x="12" y="27"/>
+                    <a:pt x="0" y="0"/>
+                  </a:cubicBezTo>
+                  <a:cubicBezTo>
+                    <a:pt x="8" y="27"/>
+                    <a:pt x="17" y="53"/>
+                    <a:pt x="28" y="79"/>
+                  </a:cubicBezTo>
+                  <a:close/>
+                </a:path>
+              </a:pathLst>
+            </a:custGeom>
+            <a:solidFill>
+              <a:schemeClr val="tx2">
+                <a:alpha val="20000"/>
+              </a:schemeClr>
+            </a:solidFill>
+            <a:ln>
+              <a:noFill/>
+            </a:ln>
+          </p:spPr>
+        </p:sp>
+        <p:sp>
+          <p:nvSpPr>
+            <p:cNvPr id="16" name="Freeform 15">
+              <a:extLst>
+                <a:ext uri="{FF2B5EF4-FFF2-40B4-BE49-F238E27FC236}">
+                  <a16:creationId xmlns:a16="http://schemas.microsoft.com/office/drawing/2014/main" id="{62575C35-466F-42AE-87A1-D691849AB8CF}"/>
+                </a:ext>
+                <a:ext uri="{C183D7F6-B498-43B3-948B-1728B52AA6E4}">
+                  <adec:decorative xmlns:adec="http://schemas.microsoft.com/office/drawing/2017/decorative" val="1"/>
+                </a:ext>
+              </a:extLst>
+            </p:cNvPr>
+            <p:cNvSpPr/>
+            <p:nvPr>
+              <p:extLst>
+                <p:ext uri="{386F3935-93C4-4BCD-93E2-E3B085C9AB24}">
+                  <p16:designElem xmlns:p16="http://schemas.microsoft.com/office/powerpoint/2015/main" val="1"/>
+                </p:ext>
+              </p:extLst>
+            </p:nvPr>
+          </p:nvSpPr>
+          <p:spPr bwMode="auto">
+            <a:xfrm>
+              <a:off x="2573338" y="2817813"/>
+              <a:ext cx="700088" cy="2835275"/>
+            </a:xfrm>
+            <a:custGeom>
+              <a:avLst/>
+              <a:gdLst/>
+              <a:ahLst/>
+              <a:cxnLst/>
+              <a:rect l="0" t="0" r="r" b="b"/>
+              <a:pathLst>
+                <a:path w="178" h="722">
+                  <a:moveTo>
+                    <a:pt x="162" y="660"/>
+                  </a:moveTo>
+                  <a:cubicBezTo>
+                    <a:pt x="145" y="618"/>
+                    <a:pt x="130" y="576"/>
+                    <a:pt x="116" y="534"/>
+                  </a:cubicBezTo>
+                  <a:cubicBezTo>
+                    <a:pt x="84" y="437"/>
+                    <a:pt x="59" y="337"/>
+                    <a:pt x="40" y="236"/>
+                  </a:cubicBezTo>
+                  <a:cubicBezTo>
+                    <a:pt x="29" y="175"/>
+                    <a:pt x="20" y="113"/>
+                    <a:pt x="12" y="51"/>
+                  </a:cubicBezTo>
+                  <a:cubicBezTo>
+                    <a:pt x="8" y="34"/>
+                    <a:pt x="4" y="17"/>
+                    <a:pt x="0" y="0"/>
+                  </a:cubicBezTo>
+                  <a:cubicBezTo>
+                    <a:pt x="8" y="79"/>
+                    <a:pt x="19" y="159"/>
+                    <a:pt x="33" y="237"/>
+                  </a:cubicBezTo>
+                  <a:cubicBezTo>
+                    <a:pt x="51" y="339"/>
+                    <a:pt x="76" y="439"/>
+                    <a:pt x="107" y="537"/>
+                  </a:cubicBezTo>
+                  <a:cubicBezTo>
+                    <a:pt x="123" y="586"/>
+                    <a:pt x="141" y="634"/>
+                    <a:pt x="160" y="681"/>
+                  </a:cubicBezTo>
+                  <a:cubicBezTo>
+                    <a:pt x="166" y="695"/>
+                    <a:pt x="172" y="708"/>
+                    <a:pt x="178" y="722"/>
+                  </a:cubicBezTo>
+                  <a:cubicBezTo>
+                    <a:pt x="176" y="717"/>
+                    <a:pt x="175" y="713"/>
+                    <a:pt x="174" y="708"/>
+                  </a:cubicBezTo>
+                  <a:cubicBezTo>
+                    <a:pt x="169" y="692"/>
+                    <a:pt x="165" y="676"/>
+                    <a:pt x="162" y="660"/>
+                  </a:cubicBezTo>
+                  <a:close/>
+                </a:path>
+              </a:pathLst>
+            </a:custGeom>
+            <a:solidFill>
+              <a:schemeClr val="tx2">
+                <a:alpha val="20000"/>
+              </a:schemeClr>
+            </a:solidFill>
+            <a:ln>
+              <a:noFill/>
+            </a:ln>
+          </p:spPr>
+        </p:sp>
+        <p:sp>
+          <p:nvSpPr>
+            <p:cNvPr id="17" name="Freeform 16">
+              <a:extLst>
+                <a:ext uri="{FF2B5EF4-FFF2-40B4-BE49-F238E27FC236}">
+                  <a16:creationId xmlns:a16="http://schemas.microsoft.com/office/drawing/2014/main" id="{58236F37-6119-45AC-80A0-CD2C311B5051}"/>
+                </a:ext>
+                <a:ext uri="{C183D7F6-B498-43B3-948B-1728B52AA6E4}">
+                  <adec:decorative xmlns:adec="http://schemas.microsoft.com/office/drawing/2017/decorative" val="1"/>
+                </a:ext>
+              </a:extLst>
+            </p:cNvPr>
+            <p:cNvSpPr/>
+            <p:nvPr>
+              <p:extLst>
+                <p:ext uri="{386F3935-93C4-4BCD-93E2-E3B085C9AB24}">
+                  <p16:designElem xmlns:p16="http://schemas.microsoft.com/office/powerpoint/2015/main" val="1"/>
+                </p:ext>
+              </p:extLst>
+            </p:nvPr>
+          </p:nvSpPr>
+          <p:spPr bwMode="auto">
+            <a:xfrm>
+              <a:off x="2506663" y="285750"/>
+              <a:ext cx="90488" cy="2493963"/>
+            </a:xfrm>
+            <a:custGeom>
+              <a:avLst/>
+              <a:gdLst/>
+              <a:ahLst/>
+              <a:cxnLst/>
+              <a:rect l="0" t="0" r="r" b="b"/>
+              <a:pathLst>
+                <a:path w="23" h="635">
+                  <a:moveTo>
+                    <a:pt x="11" y="577"/>
+                  </a:moveTo>
+                  <a:cubicBezTo>
+                    <a:pt x="12" y="581"/>
+                    <a:pt x="12" y="585"/>
+                    <a:pt x="12" y="589"/>
+                  </a:cubicBezTo>
+                  <a:cubicBezTo>
+                    <a:pt x="15" y="603"/>
+                    <a:pt x="19" y="617"/>
+                    <a:pt x="22" y="632"/>
+                  </a:cubicBezTo>
+                  <a:cubicBezTo>
+                    <a:pt x="22" y="633"/>
+                    <a:pt x="22" y="634"/>
+                    <a:pt x="23" y="635"/>
+                  </a:cubicBezTo>
+                  <a:cubicBezTo>
+                    <a:pt x="21" y="615"/>
+                    <a:pt x="19" y="596"/>
+                    <a:pt x="17" y="576"/>
+                  </a:cubicBezTo>
+                  <a:cubicBezTo>
+                    <a:pt x="9" y="474"/>
+                    <a:pt x="5" y="372"/>
+                    <a:pt x="5" y="269"/>
+                  </a:cubicBezTo>
+                  <a:cubicBezTo>
+                    <a:pt x="6" y="179"/>
+                    <a:pt x="9" y="90"/>
+                    <a:pt x="15" y="0"/>
+                  </a:cubicBezTo>
+                  <a:cubicBezTo>
+                    <a:pt x="12" y="0"/>
+                    <a:pt x="12" y="0"/>
+                    <a:pt x="12" y="0"/>
+                  </a:cubicBezTo>
+                  <a:cubicBezTo>
+                    <a:pt x="5" y="89"/>
+                    <a:pt x="2" y="179"/>
+                    <a:pt x="1" y="269"/>
+                  </a:cubicBezTo>
+                  <a:cubicBezTo>
+                    <a:pt x="0" y="372"/>
+                    <a:pt x="3" y="474"/>
+                    <a:pt x="11" y="577"/>
+                  </a:cubicBezTo>
+                  <a:close/>
+                </a:path>
+              </a:pathLst>
+            </a:custGeom>
+            <a:solidFill>
+              <a:schemeClr val="tx2">
+                <a:alpha val="20000"/>
+              </a:schemeClr>
+            </a:solidFill>
+            <a:ln>
+              <a:noFill/>
+            </a:ln>
+          </p:spPr>
+        </p:sp>
+        <p:sp>
+          <p:nvSpPr>
+            <p:cNvPr id="18" name="Freeform 17">
+              <a:extLst>
+                <a:ext uri="{FF2B5EF4-FFF2-40B4-BE49-F238E27FC236}">
+                  <a16:creationId xmlns:a16="http://schemas.microsoft.com/office/drawing/2014/main" id="{F3FDD799-39FE-4D6F-9A64-2F472B215078}"/>
+                </a:ext>
+                <a:ext uri="{C183D7F6-B498-43B3-948B-1728B52AA6E4}">
+                  <adec:decorative xmlns:adec="http://schemas.microsoft.com/office/drawing/2017/decorative" val="1"/>
+                </a:ext>
+              </a:extLst>
+            </p:cNvPr>
+            <p:cNvSpPr/>
+            <p:nvPr>
+              <p:extLst>
+                <p:ext uri="{386F3935-93C4-4BCD-93E2-E3B085C9AB24}">
+                  <p16:designElem xmlns:p16="http://schemas.microsoft.com/office/powerpoint/2015/main" val="1"/>
+                </p:ext>
+              </p:extLst>
+            </p:nvPr>
+          </p:nvSpPr>
+          <p:spPr bwMode="auto">
+            <a:xfrm>
+              <a:off x="2554288" y="2598738"/>
+              <a:ext cx="66675" cy="420688"/>
+            </a:xfrm>
+            <a:custGeom>
+              <a:avLst/>
+              <a:gdLst/>
+              <a:ahLst/>
+              <a:cxnLst/>
+              <a:rect l="0" t="0" r="r" b="b"/>
+              <a:pathLst>
+                <a:path w="17" h="107">
+                  <a:moveTo>
+                    <a:pt x="0" y="0"/>
+                  </a:moveTo>
+                  <a:cubicBezTo>
+                    <a:pt x="2" y="19"/>
+                    <a:pt x="3" y="37"/>
+                    <a:pt x="5" y="56"/>
+                  </a:cubicBezTo>
+                  <a:cubicBezTo>
+                    <a:pt x="9" y="73"/>
+                    <a:pt x="13" y="90"/>
+                    <a:pt x="17" y="107"/>
+                  </a:cubicBezTo>
+                  <a:cubicBezTo>
+                    <a:pt x="15" y="87"/>
+                    <a:pt x="13" y="66"/>
+                    <a:pt x="11" y="46"/>
+                  </a:cubicBezTo>
+                  <a:cubicBezTo>
+                    <a:pt x="10" y="45"/>
+                    <a:pt x="10" y="44"/>
+                    <a:pt x="10" y="43"/>
+                  </a:cubicBezTo>
+                  <a:cubicBezTo>
+                    <a:pt x="7" y="28"/>
+                    <a:pt x="3" y="14"/>
+                    <a:pt x="0" y="0"/>
+                  </a:cubicBezTo>
+                  <a:close/>
+                </a:path>
+              </a:pathLst>
+            </a:custGeom>
+            <a:solidFill>
+              <a:schemeClr val="tx2">
+                <a:alpha val="20000"/>
+              </a:schemeClr>
+            </a:solidFill>
+            <a:ln>
+              <a:noFill/>
+            </a:ln>
+          </p:spPr>
+        </p:sp>
+        <p:sp>
+          <p:nvSpPr>
+            <p:cNvPr id="19" name="Freeform 18">
+              <a:extLst>
+                <a:ext uri="{FF2B5EF4-FFF2-40B4-BE49-F238E27FC236}">
+                  <a16:creationId xmlns:a16="http://schemas.microsoft.com/office/drawing/2014/main" id="{9820D241-1D49-442C-A95A-00BC1BF9E295}"/>
+                </a:ext>
+                <a:ext uri="{C183D7F6-B498-43B3-948B-1728B52AA6E4}">
+                  <adec:decorative xmlns:adec="http://schemas.microsoft.com/office/drawing/2017/decorative" val="1"/>
+                </a:ext>
+              </a:extLst>
+            </p:cNvPr>
+            <p:cNvSpPr/>
+            <p:nvPr>
+              <p:extLst>
+                <p:ext uri="{386F3935-93C4-4BCD-93E2-E3B085C9AB24}">
+                  <p16:designElem xmlns:p16="http://schemas.microsoft.com/office/powerpoint/2015/main" val="1"/>
+                </p:ext>
+              </p:extLst>
+            </p:nvPr>
+          </p:nvSpPr>
+          <p:spPr bwMode="auto">
+            <a:xfrm>
+              <a:off x="3143251" y="4757738"/>
+              <a:ext cx="161925" cy="873125"/>
+            </a:xfrm>
+            <a:custGeom>
+              <a:avLst/>
+              <a:gdLst/>
+              <a:ahLst/>
+              <a:cxnLst/>
+              <a:rect l="0" t="0" r="r" b="b"/>
+              <a:pathLst>
+                <a:path w="41" h="222">
+                  <a:moveTo>
+                    <a:pt x="0" y="0"/>
+                  </a:moveTo>
+                  <a:cubicBezTo>
+                    <a:pt x="0" y="31"/>
+                    <a:pt x="2" y="62"/>
+                    <a:pt x="5" y="93"/>
+                  </a:cubicBezTo>
+                  <a:cubicBezTo>
+                    <a:pt x="8" y="117"/>
+                    <a:pt x="12" y="142"/>
+                    <a:pt x="17" y="166"/>
+                  </a:cubicBezTo>
+                  <a:cubicBezTo>
+                    <a:pt x="19" y="172"/>
+                    <a:pt x="22" y="178"/>
+                    <a:pt x="24" y="184"/>
+                  </a:cubicBezTo>
+                  <a:cubicBezTo>
+                    <a:pt x="30" y="197"/>
+                    <a:pt x="35" y="209"/>
+                    <a:pt x="41" y="222"/>
+                  </a:cubicBezTo>
+                  <a:cubicBezTo>
+                    <a:pt x="40" y="219"/>
+                    <a:pt x="39" y="215"/>
+                    <a:pt x="38" y="212"/>
+                  </a:cubicBezTo>
+                  <a:cubicBezTo>
+                    <a:pt x="26" y="172"/>
+                    <a:pt x="18" y="132"/>
+                    <a:pt x="13" y="92"/>
+                  </a:cubicBezTo>
+                  <a:cubicBezTo>
+                    <a:pt x="11" y="68"/>
+                    <a:pt x="9" y="45"/>
+                    <a:pt x="8" y="22"/>
+                  </a:cubicBezTo>
+                  <a:cubicBezTo>
+                    <a:pt x="8" y="21"/>
+                    <a:pt x="7" y="20"/>
+                    <a:pt x="7" y="18"/>
+                  </a:cubicBezTo>
+                  <a:cubicBezTo>
+                    <a:pt x="5" y="12"/>
+                    <a:pt x="2" y="6"/>
+                    <a:pt x="0" y="0"/>
+                  </a:cubicBezTo>
+                  <a:close/>
+                </a:path>
+              </a:pathLst>
+            </a:custGeom>
+            <a:solidFill>
+              <a:schemeClr val="tx2">
+                <a:alpha val="20000"/>
+              </a:schemeClr>
+            </a:solidFill>
+            <a:ln>
+              <a:noFill/>
+            </a:ln>
+          </p:spPr>
+        </p:sp>
+        <p:sp>
+          <p:nvSpPr>
+            <p:cNvPr id="20" name="Freeform 19">
+              <a:extLst>
+                <a:ext uri="{FF2B5EF4-FFF2-40B4-BE49-F238E27FC236}">
+                  <a16:creationId xmlns:a16="http://schemas.microsoft.com/office/drawing/2014/main" id="{EBC2197C-B383-4866-8ABD-74222400BE8E}"/>
+                </a:ext>
+                <a:ext uri="{C183D7F6-B498-43B3-948B-1728B52AA6E4}">
+                  <adec:decorative xmlns:adec="http://schemas.microsoft.com/office/drawing/2017/decorative" val="1"/>
+                </a:ext>
+              </a:extLst>
+            </p:cNvPr>
+            <p:cNvSpPr/>
+            <p:nvPr>
+              <p:extLst>
+                <p:ext uri="{386F3935-93C4-4BCD-93E2-E3B085C9AB24}">
+                  <p16:designElem xmlns:p16="http://schemas.microsoft.com/office/powerpoint/2015/main" val="1"/>
+                </p:ext>
+              </p:extLst>
+            </p:nvPr>
+          </p:nvSpPr>
+          <p:spPr bwMode="auto">
+            <a:xfrm>
+              <a:off x="3148013" y="1282700"/>
+              <a:ext cx="1768475" cy="3448050"/>
+            </a:xfrm>
+            <a:custGeom>
+              <a:avLst/>
+              <a:gdLst/>
+              <a:ahLst/>
+              <a:cxnLst/>
+              <a:rect l="0" t="0" r="r" b="b"/>
+              <a:pathLst>
+                <a:path w="450" h="878">
+                  <a:moveTo>
+                    <a:pt x="7" y="854"/>
+                  </a:moveTo>
+                  <a:cubicBezTo>
+                    <a:pt x="10" y="772"/>
+                    <a:pt x="26" y="691"/>
+                    <a:pt x="50" y="613"/>
+                  </a:cubicBezTo>
+                  <a:cubicBezTo>
+                    <a:pt x="75" y="535"/>
+                    <a:pt x="109" y="460"/>
+                    <a:pt x="149" y="388"/>
+                  </a:cubicBezTo>
+                  <a:cubicBezTo>
+                    <a:pt x="189" y="316"/>
+                    <a:pt x="235" y="248"/>
+                    <a:pt x="285" y="183"/>
+                  </a:cubicBezTo>
+                  <a:cubicBezTo>
+                    <a:pt x="310" y="151"/>
+                    <a:pt x="337" y="119"/>
+                    <a:pt x="364" y="89"/>
+                  </a:cubicBezTo>
+                  <a:cubicBezTo>
+                    <a:pt x="378" y="74"/>
+                    <a:pt x="392" y="58"/>
+                    <a:pt x="406" y="44"/>
+                  </a:cubicBezTo>
+                  <a:cubicBezTo>
+                    <a:pt x="421" y="29"/>
+                    <a:pt x="435" y="15"/>
+                    <a:pt x="450" y="1"/>
+                  </a:cubicBezTo>
+                  <a:cubicBezTo>
+                    <a:pt x="450" y="0"/>
+                    <a:pt x="450" y="0"/>
+                    <a:pt x="450" y="0"/>
+                  </a:cubicBezTo>
+                  <a:cubicBezTo>
+                    <a:pt x="434" y="14"/>
+                    <a:pt x="420" y="28"/>
+                    <a:pt x="405" y="43"/>
+                  </a:cubicBezTo>
+                  <a:cubicBezTo>
+                    <a:pt x="391" y="57"/>
+                    <a:pt x="377" y="72"/>
+                    <a:pt x="363" y="88"/>
+                  </a:cubicBezTo>
+                  <a:cubicBezTo>
+                    <a:pt x="335" y="118"/>
+                    <a:pt x="308" y="149"/>
+                    <a:pt x="283" y="181"/>
+                  </a:cubicBezTo>
+                  <a:cubicBezTo>
+                    <a:pt x="232" y="246"/>
+                    <a:pt x="185" y="314"/>
+                    <a:pt x="145" y="386"/>
+                  </a:cubicBezTo>
+                  <a:cubicBezTo>
+                    <a:pt x="104" y="457"/>
+                    <a:pt x="70" y="533"/>
+                    <a:pt x="45" y="611"/>
+                  </a:cubicBezTo>
+                  <a:cubicBezTo>
+                    <a:pt x="19" y="690"/>
+                    <a:pt x="3" y="771"/>
+                    <a:pt x="0" y="854"/>
+                  </a:cubicBezTo>
+                  <a:cubicBezTo>
+                    <a:pt x="0" y="856"/>
+                    <a:pt x="0" y="857"/>
+                    <a:pt x="0" y="859"/>
+                  </a:cubicBezTo>
+                  <a:cubicBezTo>
+                    <a:pt x="2" y="865"/>
+                    <a:pt x="4" y="872"/>
+                    <a:pt x="7" y="878"/>
+                  </a:cubicBezTo>
+                  <a:cubicBezTo>
+                    <a:pt x="7" y="870"/>
+                    <a:pt x="7" y="862"/>
+                    <a:pt x="7" y="854"/>
+                  </a:cubicBezTo>
+                  <a:close/>
+                </a:path>
+              </a:pathLst>
+            </a:custGeom>
+            <a:solidFill>
+              <a:schemeClr val="tx2">
+                <a:alpha val="20000"/>
+              </a:schemeClr>
+            </a:solidFill>
+            <a:ln>
+              <a:noFill/>
+            </a:ln>
+          </p:spPr>
+        </p:sp>
+        <p:sp>
+          <p:nvSpPr>
+            <p:cNvPr id="21" name="Freeform 20">
+              <a:extLst>
+                <a:ext uri="{FF2B5EF4-FFF2-40B4-BE49-F238E27FC236}">
+                  <a16:creationId xmlns:a16="http://schemas.microsoft.com/office/drawing/2014/main" id="{404B06AA-FC93-4471-9DE4-56A401E70A50}"/>
+                </a:ext>
+                <a:ext uri="{C183D7F6-B498-43B3-948B-1728B52AA6E4}">
+                  <adec:decorative xmlns:adec="http://schemas.microsoft.com/office/drawing/2017/decorative" val="1"/>
+                </a:ext>
+              </a:extLst>
+            </p:cNvPr>
+            <p:cNvSpPr/>
+            <p:nvPr>
+              <p:extLst>
+                <p:ext uri="{386F3935-93C4-4BCD-93E2-E3B085C9AB24}">
+                  <p16:designElem xmlns:p16="http://schemas.microsoft.com/office/powerpoint/2015/main" val="1"/>
+                </p:ext>
+              </p:extLst>
+            </p:nvPr>
+          </p:nvSpPr>
+          <p:spPr bwMode="auto">
+            <a:xfrm>
+              <a:off x="3273426" y="5653088"/>
+              <a:ext cx="138113" cy="287338"/>
+            </a:xfrm>
+            <a:custGeom>
+              <a:avLst/>
+              <a:gdLst/>
+              <a:ahLst/>
+              <a:cxnLst/>
+              <a:rect l="0" t="0" r="r" b="b"/>
+              <a:pathLst>
+                <a:path w="35" h="73">
+                  <a:moveTo>
+                    <a:pt x="0" y="0"/>
+                  </a:moveTo>
+                  <a:cubicBezTo>
+                    <a:pt x="7" y="24"/>
+                    <a:pt x="16" y="49"/>
+                    <a:pt x="26" y="73"/>
+                  </a:cubicBezTo>
+                  <a:cubicBezTo>
+                    <a:pt x="35" y="73"/>
+                    <a:pt x="35" y="73"/>
+                    <a:pt x="35" y="73"/>
+                  </a:cubicBezTo>
+                  <a:cubicBezTo>
+                    <a:pt x="23" y="49"/>
+                    <a:pt x="11" y="24"/>
+                    <a:pt x="0" y="0"/>
+                  </a:cubicBezTo>
+                  <a:close/>
+                </a:path>
+              </a:pathLst>
+            </a:custGeom>
+            <a:solidFill>
+              <a:schemeClr val="tx2">
+                <a:alpha val="20000"/>
+              </a:schemeClr>
+            </a:solidFill>
+            <a:ln>
+              <a:noFill/>
+            </a:ln>
+          </p:spPr>
+        </p:sp>
+        <p:sp>
+          <p:nvSpPr>
+            <p:cNvPr id="22" name="Freeform 21">
+              <a:extLst>
+                <a:ext uri="{FF2B5EF4-FFF2-40B4-BE49-F238E27FC236}">
+                  <a16:creationId xmlns:a16="http://schemas.microsoft.com/office/drawing/2014/main" id="{E580600C-013F-4FAF-8FB7-4CC0FA80A92B}"/>
+                </a:ext>
+                <a:ext uri="{C183D7F6-B498-43B3-948B-1728B52AA6E4}">
+                  <adec:decorative xmlns:adec="http://schemas.microsoft.com/office/drawing/2017/decorative" val="1"/>
+                </a:ext>
+              </a:extLst>
+            </p:cNvPr>
+            <p:cNvSpPr/>
+            <p:nvPr>
+              <p:extLst>
+                <p:ext uri="{386F3935-93C4-4BCD-93E2-E3B085C9AB24}">
+                  <p16:designElem xmlns:p16="http://schemas.microsoft.com/office/powerpoint/2015/main" val="1"/>
+                </p:ext>
+              </p:extLst>
+            </p:nvPr>
+          </p:nvSpPr>
+          <p:spPr bwMode="auto">
+            <a:xfrm>
+              <a:off x="3143251" y="4656138"/>
+              <a:ext cx="31750" cy="188913"/>
+            </a:xfrm>
+            <a:custGeom>
+              <a:avLst/>
+              <a:gdLst/>
+              <a:ahLst/>
+              <a:cxnLst/>
+              <a:rect l="0" t="0" r="r" b="b"/>
+              <a:pathLst>
+                <a:path w="8" h="48">
+                  <a:moveTo>
+                    <a:pt x="7" y="44"/>
+                  </a:moveTo>
+                  <a:cubicBezTo>
+                    <a:pt x="7" y="46"/>
+                    <a:pt x="8" y="47"/>
+                    <a:pt x="8" y="48"/>
+                  </a:cubicBezTo>
+                  <a:cubicBezTo>
+                    <a:pt x="8" y="38"/>
+                    <a:pt x="8" y="29"/>
+                    <a:pt x="8" y="19"/>
+                  </a:cubicBezTo>
+                  <a:cubicBezTo>
+                    <a:pt x="5" y="13"/>
+                    <a:pt x="3" y="6"/>
+                    <a:pt x="1" y="0"/>
+                  </a:cubicBezTo>
+                  <a:cubicBezTo>
+                    <a:pt x="0" y="9"/>
+                    <a:pt x="0" y="17"/>
+                    <a:pt x="0" y="26"/>
+                  </a:cubicBezTo>
+                  <a:cubicBezTo>
+                    <a:pt x="2" y="32"/>
+                    <a:pt x="5" y="38"/>
+                    <a:pt x="7" y="44"/>
+                  </a:cubicBezTo>
+                  <a:close/>
+                </a:path>
+              </a:pathLst>
+            </a:custGeom>
+            <a:solidFill>
+              <a:schemeClr val="tx2">
+                <a:alpha val="20000"/>
+              </a:schemeClr>
+            </a:solidFill>
+            <a:ln>
+              <a:noFill/>
+            </a:ln>
+          </p:spPr>
+        </p:sp>
+        <p:sp>
+          <p:nvSpPr>
+            <p:cNvPr id="23" name="Freeform 22">
+              <a:extLst>
+                <a:ext uri="{FF2B5EF4-FFF2-40B4-BE49-F238E27FC236}">
+                  <a16:creationId xmlns:a16="http://schemas.microsoft.com/office/drawing/2014/main" id="{9BFCF199-64B2-4AEE-88C4-E954ABF36278}"/>
+                </a:ext>
+                <a:ext uri="{C183D7F6-B498-43B3-948B-1728B52AA6E4}">
+                  <adec:decorative xmlns:adec="http://schemas.microsoft.com/office/drawing/2017/decorative" val="1"/>
+                </a:ext>
+              </a:extLst>
+            </p:cNvPr>
+            <p:cNvSpPr/>
+            <p:nvPr>
+              <p:extLst>
+                <p:ext uri="{386F3935-93C4-4BCD-93E2-E3B085C9AB24}">
+                  <p16:designElem xmlns:p16="http://schemas.microsoft.com/office/powerpoint/2015/main" val="1"/>
+                </p:ext>
+              </p:extLst>
+            </p:nvPr>
+          </p:nvSpPr>
+          <p:spPr bwMode="auto">
+            <a:xfrm>
+              <a:off x="3211513" y="5410200"/>
+              <a:ext cx="203200" cy="530225"/>
+            </a:xfrm>
+            <a:custGeom>
+              <a:avLst/>
+              <a:gdLst/>
+              <a:ahLst/>
+              <a:cxnLst/>
+              <a:rect l="0" t="0" r="r" b="b"/>
+              <a:pathLst>
+                <a:path w="52" h="135">
+                  <a:moveTo>
+                    <a:pt x="7" y="18"/>
+                  </a:moveTo>
+                  <a:cubicBezTo>
+                    <a:pt x="5" y="12"/>
+                    <a:pt x="2" y="6"/>
+                    <a:pt x="0" y="0"/>
+                  </a:cubicBezTo>
+                  <a:cubicBezTo>
+                    <a:pt x="3" y="16"/>
+                    <a:pt x="7" y="32"/>
+                    <a:pt x="12" y="48"/>
+                  </a:cubicBezTo>
+                  <a:cubicBezTo>
+                    <a:pt x="13" y="53"/>
+                    <a:pt x="14" y="57"/>
+                    <a:pt x="16" y="62"/>
+                  </a:cubicBezTo>
+                  <a:cubicBezTo>
+                    <a:pt x="27" y="86"/>
+                    <a:pt x="39" y="111"/>
+                    <a:pt x="51" y="135"/>
+                  </a:cubicBezTo>
+                  <a:cubicBezTo>
+                    <a:pt x="52" y="135"/>
+                    <a:pt x="52" y="135"/>
+                    <a:pt x="52" y="135"/>
+                  </a:cubicBezTo>
+                  <a:cubicBezTo>
+                    <a:pt x="41" y="109"/>
+                    <a:pt x="32" y="83"/>
+                    <a:pt x="24" y="56"/>
+                  </a:cubicBezTo>
+                  <a:cubicBezTo>
+                    <a:pt x="18" y="43"/>
+                    <a:pt x="13" y="31"/>
+                    <a:pt x="7" y="18"/>
+                  </a:cubicBezTo>
+                  <a:close/>
+                </a:path>
+              </a:pathLst>
+            </a:custGeom>
+            <a:solidFill>
+              <a:schemeClr val="tx2">
+                <a:alpha val="20000"/>
+              </a:schemeClr>
+            </a:solidFill>
+            <a:ln>
+              <a:noFill/>
+            </a:ln>
+          </p:spPr>
+        </p:sp>
+      </p:grpSp>
+      <p:grpSp>
+        <p:nvGrpSpPr>
+          <p:cNvPr id="25" name="Group 24">
+            <a:extLst>
+              <a:ext uri="{FF2B5EF4-FFF2-40B4-BE49-F238E27FC236}">
+                <a16:creationId xmlns:a16="http://schemas.microsoft.com/office/drawing/2014/main" id="{E312DBA5-56D8-42B2-BA94-28168C2A6703}"/>
+              </a:ext>
+              <a:ext uri="{C183D7F6-B498-43B3-948B-1728B52AA6E4}">
+                <adec:decorative xmlns:adec="http://schemas.microsoft.com/office/drawing/2017/decorative" val="1"/>
+              </a:ext>
+            </a:extLst>
+          </p:cNvPr>
+          <p:cNvGrpSpPr>
+            <a:grpSpLocks noGrp="1" noUngrp="1" noRot="1" noChangeAspect="1" noMove="1" noResize="1"/>
+          </p:cNvGrpSpPr>
+          <p:nvPr>
+            <p:extLst>
+              <p:ext uri="{386F3935-93C4-4BCD-93E2-E3B085C9AB24}">
+                <p16:designElem xmlns:p16="http://schemas.microsoft.com/office/powerpoint/2015/main" val="1"/>
+              </p:ext>
+            </p:extLst>
+          </p:nvPr>
+        </p:nvGrpSpPr>
+        <p:grpSpPr>
+          <a:xfrm>
+            <a:off x="27224" y="-786"/>
+            <a:ext cx="2356675" cy="6854040"/>
+            <a:chOff x="6627813" y="194833"/>
+            <a:chExt cx="1952625" cy="5678918"/>
+          </a:xfrm>
+        </p:grpSpPr>
+        <p:sp>
+          <p:nvSpPr>
+            <p:cNvPr id="26" name="Freeform 27">
+              <a:extLst>
+                <a:ext uri="{FF2B5EF4-FFF2-40B4-BE49-F238E27FC236}">
+                  <a16:creationId xmlns:a16="http://schemas.microsoft.com/office/drawing/2014/main" id="{7AD46C74-3117-46B0-B267-0F61B57CACE3}"/>
+                </a:ext>
+                <a:ext uri="{C183D7F6-B498-43B3-948B-1728B52AA6E4}">
+                  <adec:decorative xmlns:adec="http://schemas.microsoft.com/office/drawing/2017/decorative" val="1"/>
+                </a:ext>
+              </a:extLst>
+            </p:cNvPr>
+            <p:cNvSpPr/>
+            <p:nvPr>
+              <p:extLst>
+                <p:ext uri="{386F3935-93C4-4BCD-93E2-E3B085C9AB24}">
+                  <p16:designElem xmlns:p16="http://schemas.microsoft.com/office/powerpoint/2015/main" val="1"/>
+                </p:ext>
+              </p:extLst>
+            </p:nvPr>
+          </p:nvSpPr>
+          <p:spPr bwMode="auto">
+            <a:xfrm>
+              <a:off x="6627813" y="194833"/>
+              <a:ext cx="409575" cy="3646488"/>
+            </a:xfrm>
+            <a:custGeom>
+              <a:avLst/>
+              <a:gdLst/>
+              <a:ahLst/>
+              <a:cxnLst/>
+              <a:rect l="0" t="0" r="r" b="b"/>
+              <a:pathLst>
+                <a:path w="103" h="920">
+                  <a:moveTo>
+                    <a:pt x="7" y="210"/>
+                  </a:moveTo>
+                  <a:cubicBezTo>
+                    <a:pt x="11" y="288"/>
+                    <a:pt x="17" y="367"/>
+                    <a:pt x="26" y="445"/>
+                  </a:cubicBezTo>
+                  <a:cubicBezTo>
+                    <a:pt x="34" y="523"/>
+                    <a:pt x="44" y="601"/>
+                    <a:pt x="57" y="679"/>
+                  </a:cubicBezTo>
+                  <a:cubicBezTo>
+                    <a:pt x="69" y="757"/>
+                    <a:pt x="84" y="834"/>
+                    <a:pt x="101" y="911"/>
+                  </a:cubicBezTo>
+                  <a:cubicBezTo>
+                    <a:pt x="102" y="914"/>
+                    <a:pt x="103" y="917"/>
+                    <a:pt x="103" y="920"/>
+                  </a:cubicBezTo>
+                  <a:cubicBezTo>
+                    <a:pt x="102" y="905"/>
+                    <a:pt x="100" y="889"/>
+                    <a:pt x="99" y="874"/>
+                  </a:cubicBezTo>
+                  <a:cubicBezTo>
+                    <a:pt x="99" y="871"/>
+                    <a:pt x="99" y="868"/>
+                    <a:pt x="99" y="866"/>
+                  </a:cubicBezTo>
+                  <a:cubicBezTo>
+                    <a:pt x="85" y="803"/>
+                    <a:pt x="73" y="741"/>
+                    <a:pt x="63" y="678"/>
+                  </a:cubicBezTo>
+                  <a:cubicBezTo>
+                    <a:pt x="50" y="600"/>
+                    <a:pt x="39" y="523"/>
+                    <a:pt x="30" y="444"/>
+                  </a:cubicBezTo>
+                  <a:cubicBezTo>
+                    <a:pt x="21" y="366"/>
+                    <a:pt x="14" y="288"/>
+                    <a:pt x="9" y="209"/>
+                  </a:cubicBezTo>
+                  <a:cubicBezTo>
+                    <a:pt x="7" y="170"/>
+                    <a:pt x="5" y="131"/>
+                    <a:pt x="3" y="92"/>
+                  </a:cubicBezTo>
+                  <a:cubicBezTo>
+                    <a:pt x="2" y="61"/>
+                    <a:pt x="1" y="31"/>
+                    <a:pt x="1" y="0"/>
+                  </a:cubicBezTo>
+                  <a:cubicBezTo>
+                    <a:pt x="0" y="0"/>
+                    <a:pt x="0" y="0"/>
+                    <a:pt x="0" y="0"/>
+                  </a:cubicBezTo>
+                  <a:cubicBezTo>
+                    <a:pt x="0" y="31"/>
+                    <a:pt x="1" y="61"/>
+                    <a:pt x="1" y="92"/>
+                  </a:cubicBezTo>
+                  <a:cubicBezTo>
+                    <a:pt x="3" y="131"/>
+                    <a:pt x="4" y="170"/>
+                    <a:pt x="7" y="210"/>
+                  </a:cubicBezTo>
+                  <a:close/>
+                </a:path>
+              </a:pathLst>
+            </a:custGeom>
+            <a:solidFill>
+              <a:schemeClr val="tx2"/>
+            </a:solidFill>
+            <a:ln>
+              <a:noFill/>
+            </a:ln>
+          </p:spPr>
+        </p:sp>
+        <p:sp>
+          <p:nvSpPr>
+            <p:cNvPr id="27" name="Freeform 28">
+              <a:extLst>
+                <a:ext uri="{FF2B5EF4-FFF2-40B4-BE49-F238E27FC236}">
+                  <a16:creationId xmlns:a16="http://schemas.microsoft.com/office/drawing/2014/main" id="{8C13B810-9664-45D8-8510-D6ED0ADD7217}"/>
+                </a:ext>
+                <a:ext uri="{C183D7F6-B498-43B3-948B-1728B52AA6E4}">
+                  <adec:decorative xmlns:adec="http://schemas.microsoft.com/office/drawing/2017/decorative" val="1"/>
+                </a:ext>
+              </a:extLst>
+            </p:cNvPr>
+            <p:cNvSpPr/>
+            <p:nvPr>
+              <p:extLst>
+                <p:ext uri="{386F3935-93C4-4BCD-93E2-E3B085C9AB24}">
+                  <p16:designElem xmlns:p16="http://schemas.microsoft.com/office/powerpoint/2015/main" val="1"/>
+                </p:ext>
+              </p:extLst>
+            </p:nvPr>
+          </p:nvSpPr>
+          <p:spPr bwMode="auto">
+            <a:xfrm>
+              <a:off x="7061201" y="3771900"/>
+              <a:ext cx="350838" cy="1309688"/>
+            </a:xfrm>
+            <a:custGeom>
+              <a:avLst/>
+              <a:gdLst/>
+              <a:ahLst/>
+              <a:cxnLst/>
+              <a:rect l="0" t="0" r="r" b="b"/>
+              <a:pathLst>
+                <a:path w="88" h="330">
+                  <a:moveTo>
+                    <a:pt x="53" y="229"/>
+                  </a:moveTo>
+                  <a:cubicBezTo>
+                    <a:pt x="64" y="263"/>
+                    <a:pt x="75" y="297"/>
+                    <a:pt x="88" y="330"/>
+                  </a:cubicBezTo>
+                  <a:cubicBezTo>
+                    <a:pt x="88" y="323"/>
+                    <a:pt x="88" y="315"/>
+                    <a:pt x="88" y="308"/>
+                  </a:cubicBezTo>
+                  <a:cubicBezTo>
+                    <a:pt x="88" y="307"/>
+                    <a:pt x="88" y="305"/>
+                    <a:pt x="88" y="304"/>
+                  </a:cubicBezTo>
+                  <a:cubicBezTo>
+                    <a:pt x="79" y="278"/>
+                    <a:pt x="70" y="252"/>
+                    <a:pt x="62" y="226"/>
+                  </a:cubicBezTo>
+                  <a:cubicBezTo>
+                    <a:pt x="38" y="152"/>
+                    <a:pt x="17" y="76"/>
+                    <a:pt x="0" y="0"/>
+                  </a:cubicBezTo>
+                  <a:cubicBezTo>
+                    <a:pt x="2" y="21"/>
+                    <a:pt x="4" y="42"/>
+                    <a:pt x="7" y="63"/>
+                  </a:cubicBezTo>
+                  <a:cubicBezTo>
+                    <a:pt x="21" y="119"/>
+                    <a:pt x="36" y="174"/>
+                    <a:pt x="53" y="229"/>
+                  </a:cubicBezTo>
+                  <a:close/>
+                </a:path>
+              </a:pathLst>
+            </a:custGeom>
+            <a:solidFill>
+              <a:schemeClr val="tx2"/>
+            </a:solidFill>
+            <a:ln>
+              <a:noFill/>
+            </a:ln>
+          </p:spPr>
+        </p:sp>
+        <p:sp>
+          <p:nvSpPr>
+            <p:cNvPr id="28" name="Freeform 29">
+              <a:extLst>
+                <a:ext uri="{FF2B5EF4-FFF2-40B4-BE49-F238E27FC236}">
+                  <a16:creationId xmlns:a16="http://schemas.microsoft.com/office/drawing/2014/main" id="{10306E52-A922-4458-BCCE-C3C840CC7556}"/>
+                </a:ext>
+                <a:ext uri="{C183D7F6-B498-43B3-948B-1728B52AA6E4}">
+                  <adec:decorative xmlns:adec="http://schemas.microsoft.com/office/drawing/2017/decorative" val="1"/>
+                </a:ext>
+              </a:extLst>
+            </p:cNvPr>
+            <p:cNvSpPr/>
+            <p:nvPr>
+              <p:extLst>
+                <p:ext uri="{386F3935-93C4-4BCD-93E2-E3B085C9AB24}">
+                  <p16:designElem xmlns:p16="http://schemas.microsoft.com/office/powerpoint/2015/main" val="1"/>
+                </p:ext>
+              </p:extLst>
+            </p:nvPr>
+          </p:nvSpPr>
+          <p:spPr bwMode="auto">
+            <a:xfrm>
+              <a:off x="7439026" y="5053013"/>
+              <a:ext cx="357188" cy="820738"/>
+            </a:xfrm>
+            <a:custGeom>
+              <a:avLst/>
+              <a:gdLst/>
+              <a:ahLst/>
+              <a:cxnLst/>
+              <a:rect l="0" t="0" r="r" b="b"/>
+              <a:pathLst>
+                <a:path w="90" h="207">
+                  <a:moveTo>
+                    <a:pt x="6" y="15"/>
+                  </a:moveTo>
+                  <a:cubicBezTo>
+                    <a:pt x="4" y="10"/>
+                    <a:pt x="2" y="5"/>
+                    <a:pt x="0" y="0"/>
+                  </a:cubicBezTo>
+                  <a:cubicBezTo>
+                    <a:pt x="0" y="9"/>
+                    <a:pt x="0" y="19"/>
+                    <a:pt x="1" y="29"/>
+                  </a:cubicBezTo>
+                  <a:cubicBezTo>
+                    <a:pt x="14" y="62"/>
+                    <a:pt x="27" y="95"/>
+                    <a:pt x="42" y="127"/>
+                  </a:cubicBezTo>
+                  <a:cubicBezTo>
+                    <a:pt x="54" y="154"/>
+                    <a:pt x="67" y="181"/>
+                    <a:pt x="80" y="207"/>
+                  </a:cubicBezTo>
+                  <a:cubicBezTo>
+                    <a:pt x="90" y="207"/>
+                    <a:pt x="90" y="207"/>
+                    <a:pt x="90" y="207"/>
+                  </a:cubicBezTo>
+                  <a:cubicBezTo>
+                    <a:pt x="76" y="180"/>
+                    <a:pt x="63" y="152"/>
+                    <a:pt x="50" y="123"/>
+                  </a:cubicBezTo>
+                  <a:cubicBezTo>
+                    <a:pt x="34" y="88"/>
+                    <a:pt x="20" y="51"/>
+                    <a:pt x="6" y="15"/>
+                  </a:cubicBezTo>
+                  <a:close/>
+                </a:path>
+              </a:pathLst>
+            </a:custGeom>
+            <a:solidFill>
+              <a:schemeClr val="tx2"/>
+            </a:solidFill>
+            <a:ln>
+              <a:noFill/>
+            </a:ln>
+          </p:spPr>
+        </p:sp>
+        <p:sp>
+          <p:nvSpPr>
+            <p:cNvPr id="29" name="Freeform 30">
+              <a:extLst>
+                <a:ext uri="{FF2B5EF4-FFF2-40B4-BE49-F238E27FC236}">
+                  <a16:creationId xmlns:a16="http://schemas.microsoft.com/office/drawing/2014/main" id="{CB578819-B7E7-4250-932F-52AE2A2A9A57}"/>
+                </a:ext>
+                <a:ext uri="{C183D7F6-B498-43B3-948B-1728B52AA6E4}">
+                  <adec:decorative xmlns:adec="http://schemas.microsoft.com/office/drawing/2017/decorative" val="1"/>
+                </a:ext>
+              </a:extLst>
+            </p:cNvPr>
+            <p:cNvSpPr/>
+            <p:nvPr>
+              <p:extLst>
+                <p:ext uri="{386F3935-93C4-4BCD-93E2-E3B085C9AB24}">
+                  <p16:designElem xmlns:p16="http://schemas.microsoft.com/office/powerpoint/2015/main" val="1"/>
+                </p:ext>
+              </p:extLst>
+            </p:nvPr>
+          </p:nvSpPr>
+          <p:spPr bwMode="auto">
+            <a:xfrm>
+              <a:off x="7037388" y="3811588"/>
+              <a:ext cx="457200" cy="1852613"/>
+            </a:xfrm>
+            <a:custGeom>
+              <a:avLst/>
+              <a:gdLst/>
+              <a:ahLst/>
+              <a:cxnLst/>
+              <a:rect l="0" t="0" r="r" b="b"/>
+              <a:pathLst>
+                <a:path w="115" h="467">
+                  <a:moveTo>
+                    <a:pt x="101" y="409"/>
+                  </a:moveTo>
+                  <a:cubicBezTo>
+                    <a:pt x="93" y="388"/>
+                    <a:pt x="85" y="366"/>
+                    <a:pt x="78" y="344"/>
+                  </a:cubicBezTo>
+                  <a:cubicBezTo>
+                    <a:pt x="57" y="281"/>
+                    <a:pt x="41" y="216"/>
+                    <a:pt x="29" y="151"/>
+                  </a:cubicBezTo>
+                  <a:cubicBezTo>
+                    <a:pt x="22" y="119"/>
+                    <a:pt x="17" y="86"/>
+                    <a:pt x="13" y="53"/>
+                  </a:cubicBezTo>
+                  <a:cubicBezTo>
+                    <a:pt x="9" y="35"/>
+                    <a:pt x="4" y="18"/>
+                    <a:pt x="0" y="0"/>
+                  </a:cubicBezTo>
+                  <a:cubicBezTo>
+                    <a:pt x="5" y="51"/>
+                    <a:pt x="12" y="102"/>
+                    <a:pt x="21" y="152"/>
+                  </a:cubicBezTo>
+                  <a:cubicBezTo>
+                    <a:pt x="33" y="218"/>
+                    <a:pt x="49" y="283"/>
+                    <a:pt x="69" y="347"/>
+                  </a:cubicBezTo>
+                  <a:cubicBezTo>
+                    <a:pt x="79" y="378"/>
+                    <a:pt x="90" y="410"/>
+                    <a:pt x="103" y="441"/>
+                  </a:cubicBezTo>
+                  <a:cubicBezTo>
+                    <a:pt x="107" y="449"/>
+                    <a:pt x="111" y="458"/>
+                    <a:pt x="115" y="467"/>
+                  </a:cubicBezTo>
+                  <a:cubicBezTo>
+                    <a:pt x="114" y="464"/>
+                    <a:pt x="113" y="461"/>
+                    <a:pt x="112" y="458"/>
+                  </a:cubicBezTo>
+                  <a:cubicBezTo>
+                    <a:pt x="108" y="442"/>
+                    <a:pt x="104" y="425"/>
+                    <a:pt x="101" y="409"/>
+                  </a:cubicBezTo>
+                  <a:close/>
+                </a:path>
+              </a:pathLst>
+            </a:custGeom>
+            <a:solidFill>
+              <a:schemeClr val="tx2"/>
+            </a:solidFill>
+            <a:ln>
+              <a:noFill/>
+            </a:ln>
+          </p:spPr>
+        </p:sp>
+        <p:sp>
+          <p:nvSpPr>
+            <p:cNvPr id="30" name="Freeform 31">
+              <a:extLst>
+                <a:ext uri="{FF2B5EF4-FFF2-40B4-BE49-F238E27FC236}">
+                  <a16:creationId xmlns:a16="http://schemas.microsoft.com/office/drawing/2014/main" id="{454B9C91-B623-424A-B16E-F764F189D300}"/>
+                </a:ext>
+                <a:ext uri="{C183D7F6-B498-43B3-948B-1728B52AA6E4}">
+                  <adec:decorative xmlns:adec="http://schemas.microsoft.com/office/drawing/2017/decorative" val="1"/>
+                </a:ext>
+              </a:extLst>
+            </p:cNvPr>
+            <p:cNvSpPr/>
+            <p:nvPr>
+              <p:extLst>
+                <p:ext uri="{386F3935-93C4-4BCD-93E2-E3B085C9AB24}">
+                  <p16:designElem xmlns:p16="http://schemas.microsoft.com/office/powerpoint/2015/main" val="1"/>
+                </p:ext>
+              </p:extLst>
+            </p:nvPr>
+          </p:nvSpPr>
+          <p:spPr bwMode="auto">
+            <a:xfrm>
+              <a:off x="6992938" y="1263650"/>
+              <a:ext cx="144463" cy="2508250"/>
+            </a:xfrm>
+            <a:custGeom>
+              <a:avLst/>
+              <a:gdLst/>
+              <a:ahLst/>
+              <a:cxnLst/>
+              <a:rect l="0" t="0" r="r" b="b"/>
+              <a:pathLst>
+                <a:path w="36" h="633">
+                  <a:moveTo>
+                    <a:pt x="17" y="633"/>
+                  </a:moveTo>
+                  <a:cubicBezTo>
+                    <a:pt x="15" y="621"/>
+                    <a:pt x="14" y="609"/>
+                    <a:pt x="13" y="597"/>
+                  </a:cubicBezTo>
+                  <a:cubicBezTo>
+                    <a:pt x="8" y="530"/>
+                    <a:pt x="5" y="464"/>
+                    <a:pt x="5" y="398"/>
+                  </a:cubicBezTo>
+                  <a:cubicBezTo>
+                    <a:pt x="5" y="331"/>
+                    <a:pt x="8" y="265"/>
+                    <a:pt x="13" y="198"/>
+                  </a:cubicBezTo>
+                  <a:cubicBezTo>
+                    <a:pt x="15" y="165"/>
+                    <a:pt x="18" y="132"/>
+                    <a:pt x="22" y="99"/>
+                  </a:cubicBezTo>
+                  <a:cubicBezTo>
+                    <a:pt x="26" y="66"/>
+                    <a:pt x="30" y="33"/>
+                    <a:pt x="36" y="0"/>
+                  </a:cubicBezTo>
+                  <a:cubicBezTo>
+                    <a:pt x="35" y="0"/>
+                    <a:pt x="35" y="0"/>
+                    <a:pt x="35" y="0"/>
+                  </a:cubicBezTo>
+                  <a:cubicBezTo>
+                    <a:pt x="29" y="33"/>
+                    <a:pt x="24" y="66"/>
+                    <a:pt x="20" y="99"/>
+                  </a:cubicBezTo>
+                  <a:cubicBezTo>
+                    <a:pt x="16" y="132"/>
+                    <a:pt x="13" y="165"/>
+                    <a:pt x="10" y="198"/>
+                  </a:cubicBezTo>
+                  <a:cubicBezTo>
+                    <a:pt x="4" y="264"/>
+                    <a:pt x="1" y="331"/>
+                    <a:pt x="1" y="398"/>
+                  </a:cubicBezTo>
+                  <a:cubicBezTo>
+                    <a:pt x="0" y="461"/>
+                    <a:pt x="2" y="525"/>
+                    <a:pt x="7" y="589"/>
+                  </a:cubicBezTo>
+                  <a:cubicBezTo>
+                    <a:pt x="10" y="603"/>
+                    <a:pt x="13" y="618"/>
+                    <a:pt x="16" y="632"/>
+                  </a:cubicBezTo>
+                  <a:cubicBezTo>
+                    <a:pt x="16" y="632"/>
+                    <a:pt x="17" y="633"/>
+                    <a:pt x="17" y="633"/>
+                  </a:cubicBezTo>
+                  <a:close/>
+                </a:path>
+              </a:pathLst>
+            </a:custGeom>
+            <a:solidFill>
+              <a:schemeClr val="tx2"/>
+            </a:solidFill>
+            <a:ln>
+              <a:noFill/>
+            </a:ln>
+          </p:spPr>
+        </p:sp>
+        <p:sp>
+          <p:nvSpPr>
+            <p:cNvPr id="31" name="Freeform 32">
+              <a:extLst>
+                <a:ext uri="{FF2B5EF4-FFF2-40B4-BE49-F238E27FC236}">
+                  <a16:creationId xmlns:a16="http://schemas.microsoft.com/office/drawing/2014/main" id="{EFD03C4A-8484-41E6-B458-032F1DCA70AA}"/>
+                </a:ext>
+                <a:ext uri="{C183D7F6-B498-43B3-948B-1728B52AA6E4}">
+                  <adec:decorative xmlns:adec="http://schemas.microsoft.com/office/drawing/2017/decorative" val="1"/>
+                </a:ext>
+              </a:extLst>
+            </p:cNvPr>
+            <p:cNvSpPr/>
+            <p:nvPr>
+              <p:extLst>
+                <p:ext uri="{386F3935-93C4-4BCD-93E2-E3B085C9AB24}">
+                  <p16:designElem xmlns:p16="http://schemas.microsoft.com/office/powerpoint/2015/main" val="1"/>
+                </p:ext>
+              </p:extLst>
+            </p:nvPr>
+          </p:nvSpPr>
+          <p:spPr bwMode="auto">
+            <a:xfrm>
+              <a:off x="7526338" y="5640388"/>
+              <a:ext cx="111125" cy="233363"/>
+            </a:xfrm>
+            <a:custGeom>
+              <a:avLst/>
+              <a:gdLst/>
+              <a:ahLst/>
+              <a:cxnLst/>
+              <a:rect l="0" t="0" r="r" b="b"/>
+              <a:pathLst>
+                <a:path w="28" h="59">
+                  <a:moveTo>
+                    <a:pt x="22" y="59"/>
+                  </a:moveTo>
+                  <a:cubicBezTo>
+                    <a:pt x="28" y="59"/>
+                    <a:pt x="28" y="59"/>
+                    <a:pt x="28" y="59"/>
+                  </a:cubicBezTo>
+                  <a:cubicBezTo>
+                    <a:pt x="18" y="40"/>
+                    <a:pt x="9" y="20"/>
+                    <a:pt x="0" y="0"/>
+                  </a:cubicBezTo>
+                  <a:cubicBezTo>
+                    <a:pt x="6" y="20"/>
+                    <a:pt x="13" y="40"/>
+                    <a:pt x="22" y="59"/>
+                  </a:cubicBezTo>
+                  <a:close/>
+                </a:path>
+              </a:pathLst>
+            </a:custGeom>
+            <a:solidFill>
+              <a:schemeClr val="tx2"/>
+            </a:solidFill>
+            <a:ln>
+              <a:noFill/>
+            </a:ln>
+          </p:spPr>
+        </p:sp>
+        <p:sp>
+          <p:nvSpPr>
+            <p:cNvPr id="32" name="Freeform 33">
+              <a:extLst>
+                <a:ext uri="{FF2B5EF4-FFF2-40B4-BE49-F238E27FC236}">
+                  <a16:creationId xmlns:a16="http://schemas.microsoft.com/office/drawing/2014/main" id="{DDC2F3C3-1D4E-4913-9C5C-F9A65B47E5CA}"/>
+                </a:ext>
+                <a:ext uri="{C183D7F6-B498-43B3-948B-1728B52AA6E4}">
+                  <adec:decorative xmlns:adec="http://schemas.microsoft.com/office/drawing/2017/decorative" val="1"/>
+                </a:ext>
+              </a:extLst>
+            </p:cNvPr>
+            <p:cNvSpPr/>
+            <p:nvPr>
+              <p:extLst>
+                <p:ext uri="{386F3935-93C4-4BCD-93E2-E3B085C9AB24}">
+                  <p16:designElem xmlns:p16="http://schemas.microsoft.com/office/powerpoint/2015/main" val="1"/>
+                </p:ext>
+              </p:extLst>
+            </p:nvPr>
+          </p:nvSpPr>
+          <p:spPr bwMode="auto">
+            <a:xfrm>
+              <a:off x="7021513" y="3598863"/>
+              <a:ext cx="68263" cy="423863"/>
+            </a:xfrm>
+            <a:custGeom>
+              <a:avLst/>
+              <a:gdLst/>
+              <a:ahLst/>
+              <a:cxnLst/>
+              <a:rect l="0" t="0" r="r" b="b"/>
+              <a:pathLst>
+                <a:path w="17" h="107">
+                  <a:moveTo>
+                    <a:pt x="4" y="54"/>
+                  </a:moveTo>
+                  <a:cubicBezTo>
+                    <a:pt x="8" y="72"/>
+                    <a:pt x="13" y="89"/>
+                    <a:pt x="17" y="107"/>
+                  </a:cubicBezTo>
+                  <a:cubicBezTo>
+                    <a:pt x="14" y="86"/>
+                    <a:pt x="12" y="65"/>
+                    <a:pt x="10" y="44"/>
+                  </a:cubicBezTo>
+                  <a:cubicBezTo>
+                    <a:pt x="10" y="44"/>
+                    <a:pt x="9" y="43"/>
+                    <a:pt x="9" y="43"/>
+                  </a:cubicBezTo>
+                  <a:cubicBezTo>
+                    <a:pt x="6" y="29"/>
+                    <a:pt x="3" y="14"/>
+                    <a:pt x="0" y="0"/>
+                  </a:cubicBezTo>
+                  <a:cubicBezTo>
+                    <a:pt x="0" y="2"/>
+                    <a:pt x="0" y="5"/>
+                    <a:pt x="0" y="8"/>
+                  </a:cubicBezTo>
+                  <a:cubicBezTo>
+                    <a:pt x="1" y="23"/>
+                    <a:pt x="3" y="39"/>
+                    <a:pt x="4" y="54"/>
+                  </a:cubicBezTo>
+                  <a:close/>
+                </a:path>
+              </a:pathLst>
+            </a:custGeom>
+            <a:solidFill>
+              <a:schemeClr val="tx2"/>
+            </a:solidFill>
+            <a:ln>
+              <a:noFill/>
+            </a:ln>
+          </p:spPr>
+        </p:sp>
+        <p:sp>
+          <p:nvSpPr>
+            <p:cNvPr id="33" name="Freeform 34">
+              <a:extLst>
+                <a:ext uri="{FF2B5EF4-FFF2-40B4-BE49-F238E27FC236}">
+                  <a16:creationId xmlns:a16="http://schemas.microsoft.com/office/drawing/2014/main" id="{1E15BCA2-2420-4C53-ADE9-40FBAC238443}"/>
+                </a:ext>
+                <a:ext uri="{C183D7F6-B498-43B3-948B-1728B52AA6E4}">
+                  <adec:decorative xmlns:adec="http://schemas.microsoft.com/office/drawing/2017/decorative" val="1"/>
+                </a:ext>
+              </a:extLst>
+            </p:cNvPr>
+            <p:cNvSpPr/>
+            <p:nvPr>
+              <p:extLst>
+                <p:ext uri="{386F3935-93C4-4BCD-93E2-E3B085C9AB24}">
+                  <p16:designElem xmlns:p16="http://schemas.microsoft.com/office/powerpoint/2015/main" val="1"/>
+                </p:ext>
+              </p:extLst>
+            </p:nvPr>
+          </p:nvSpPr>
+          <p:spPr bwMode="auto">
+            <a:xfrm>
+              <a:off x="7412038" y="2801938"/>
+              <a:ext cx="1168400" cy="2251075"/>
+            </a:xfrm>
+            <a:custGeom>
+              <a:avLst/>
+              <a:gdLst/>
+              <a:ahLst/>
+              <a:cxnLst/>
+              <a:rect l="0" t="0" r="r" b="b"/>
+              <a:pathLst>
+                <a:path w="294" h="568">
+                  <a:moveTo>
+                    <a:pt x="8" y="553"/>
+                  </a:moveTo>
+                  <a:cubicBezTo>
+                    <a:pt x="9" y="501"/>
+                    <a:pt x="19" y="448"/>
+                    <a:pt x="35" y="397"/>
+                  </a:cubicBezTo>
+                  <a:cubicBezTo>
+                    <a:pt x="51" y="347"/>
+                    <a:pt x="73" y="298"/>
+                    <a:pt x="99" y="252"/>
+                  </a:cubicBezTo>
+                  <a:cubicBezTo>
+                    <a:pt x="124" y="205"/>
+                    <a:pt x="154" y="161"/>
+                    <a:pt x="187" y="119"/>
+                  </a:cubicBezTo>
+                  <a:cubicBezTo>
+                    <a:pt x="203" y="98"/>
+                    <a:pt x="220" y="77"/>
+                    <a:pt x="238" y="58"/>
+                  </a:cubicBezTo>
+                  <a:cubicBezTo>
+                    <a:pt x="247" y="48"/>
+                    <a:pt x="256" y="38"/>
+                    <a:pt x="265" y="28"/>
+                  </a:cubicBezTo>
+                  <a:cubicBezTo>
+                    <a:pt x="274" y="19"/>
+                    <a:pt x="284" y="9"/>
+                    <a:pt x="294" y="0"/>
+                  </a:cubicBezTo>
+                  <a:cubicBezTo>
+                    <a:pt x="293" y="0"/>
+                    <a:pt x="293" y="0"/>
+                    <a:pt x="293" y="0"/>
+                  </a:cubicBezTo>
+                  <a:cubicBezTo>
+                    <a:pt x="283" y="9"/>
+                    <a:pt x="273" y="18"/>
+                    <a:pt x="264" y="27"/>
+                  </a:cubicBezTo>
+                  <a:cubicBezTo>
+                    <a:pt x="255" y="37"/>
+                    <a:pt x="246" y="47"/>
+                    <a:pt x="237" y="56"/>
+                  </a:cubicBezTo>
+                  <a:cubicBezTo>
+                    <a:pt x="218" y="76"/>
+                    <a:pt x="201" y="96"/>
+                    <a:pt x="185" y="117"/>
+                  </a:cubicBezTo>
+                  <a:cubicBezTo>
+                    <a:pt x="151" y="159"/>
+                    <a:pt x="121" y="203"/>
+                    <a:pt x="95" y="249"/>
+                  </a:cubicBezTo>
+                  <a:cubicBezTo>
+                    <a:pt x="68" y="296"/>
+                    <a:pt x="46" y="345"/>
+                    <a:pt x="30" y="396"/>
+                  </a:cubicBezTo>
+                  <a:cubicBezTo>
+                    <a:pt x="13" y="445"/>
+                    <a:pt x="3" y="497"/>
+                    <a:pt x="0" y="549"/>
+                  </a:cubicBezTo>
+                  <a:cubicBezTo>
+                    <a:pt x="3" y="555"/>
+                    <a:pt x="5" y="561"/>
+                    <a:pt x="7" y="568"/>
+                  </a:cubicBezTo>
+                  <a:cubicBezTo>
+                    <a:pt x="7" y="563"/>
+                    <a:pt x="7" y="558"/>
+                    <a:pt x="8" y="553"/>
+                  </a:cubicBezTo>
+                  <a:close/>
+                </a:path>
+              </a:pathLst>
+            </a:custGeom>
+            <a:solidFill>
+              <a:schemeClr val="tx2"/>
+            </a:solidFill>
+            <a:ln>
+              <a:noFill/>
+            </a:ln>
+          </p:spPr>
+        </p:sp>
+        <p:sp>
+          <p:nvSpPr>
+            <p:cNvPr id="34" name="Freeform 35">
+              <a:extLst>
+                <a:ext uri="{FF2B5EF4-FFF2-40B4-BE49-F238E27FC236}">
+                  <a16:creationId xmlns:a16="http://schemas.microsoft.com/office/drawing/2014/main" id="{73D5FBF4-7129-4C51-B603-E3BC3341951B}"/>
+                </a:ext>
+                <a:ext uri="{C183D7F6-B498-43B3-948B-1728B52AA6E4}">
+                  <adec:decorative xmlns:adec="http://schemas.microsoft.com/office/drawing/2017/decorative" val="1"/>
+                </a:ext>
+              </a:extLst>
+            </p:cNvPr>
+            <p:cNvSpPr/>
+            <p:nvPr>
+              <p:extLst>
+                <p:ext uri="{386F3935-93C4-4BCD-93E2-E3B085C9AB24}">
+                  <p16:designElem xmlns:p16="http://schemas.microsoft.com/office/powerpoint/2015/main" val="1"/>
+                </p:ext>
+              </p:extLst>
+            </p:nvPr>
+          </p:nvSpPr>
+          <p:spPr bwMode="auto">
+            <a:xfrm>
+              <a:off x="7494588" y="5664200"/>
+              <a:ext cx="100013" cy="209550"/>
+            </a:xfrm>
+            <a:custGeom>
+              <a:avLst/>
+              <a:gdLst/>
+              <a:ahLst/>
+              <a:cxnLst/>
+              <a:rect l="0" t="0" r="r" b="b"/>
+              <a:pathLst>
+                <a:path w="25" h="53">
+                  <a:moveTo>
+                    <a:pt x="0" y="0"/>
+                  </a:moveTo>
+                  <a:cubicBezTo>
+                    <a:pt x="5" y="18"/>
+                    <a:pt x="12" y="36"/>
+                    <a:pt x="19" y="53"/>
+                  </a:cubicBezTo>
+                  <a:cubicBezTo>
+                    <a:pt x="25" y="53"/>
+                    <a:pt x="25" y="53"/>
+                    <a:pt x="25" y="53"/>
+                  </a:cubicBezTo>
+                  <a:cubicBezTo>
+                    <a:pt x="16" y="36"/>
+                    <a:pt x="8" y="18"/>
+                    <a:pt x="0" y="0"/>
+                  </a:cubicBezTo>
+                  <a:close/>
+                </a:path>
+              </a:pathLst>
+            </a:custGeom>
+            <a:solidFill>
+              <a:schemeClr val="tx2"/>
+            </a:solidFill>
+            <a:ln>
+              <a:noFill/>
+            </a:ln>
+          </p:spPr>
+        </p:sp>
+        <p:sp>
+          <p:nvSpPr>
+            <p:cNvPr id="35" name="Freeform 36">
+              <a:extLst>
+                <a:ext uri="{FF2B5EF4-FFF2-40B4-BE49-F238E27FC236}">
+                  <a16:creationId xmlns:a16="http://schemas.microsoft.com/office/drawing/2014/main" id="{0165B164-CE2A-494C-88FC-507232B37C08}"/>
+                </a:ext>
+                <a:ext uri="{C183D7F6-B498-43B3-948B-1728B52AA6E4}">
+                  <adec:decorative xmlns:adec="http://schemas.microsoft.com/office/drawing/2017/decorative" val="1"/>
+                </a:ext>
+              </a:extLst>
+            </p:cNvPr>
+            <p:cNvSpPr/>
+            <p:nvPr>
+              <p:extLst>
+                <p:ext uri="{386F3935-93C4-4BCD-93E2-E3B085C9AB24}">
+                  <p16:designElem xmlns:p16="http://schemas.microsoft.com/office/powerpoint/2015/main" val="1"/>
+                </p:ext>
+              </p:extLst>
+            </p:nvPr>
+          </p:nvSpPr>
+          <p:spPr bwMode="auto">
+            <a:xfrm>
+              <a:off x="7412038" y="5081588"/>
+              <a:ext cx="114300" cy="558800"/>
+            </a:xfrm>
+            <a:custGeom>
+              <a:avLst/>
+              <a:gdLst/>
+              <a:ahLst/>
+              <a:cxnLst/>
+              <a:rect l="0" t="0" r="r" b="b"/>
+              <a:pathLst>
+                <a:path w="29" h="141">
+                  <a:moveTo>
+                    <a:pt x="0" y="0"/>
+                  </a:moveTo>
+                  <a:cubicBezTo>
+                    <a:pt x="0" y="30"/>
+                    <a:pt x="2" y="60"/>
+                    <a:pt x="7" y="89"/>
+                  </a:cubicBezTo>
+                  <a:cubicBezTo>
+                    <a:pt x="11" y="98"/>
+                    <a:pt x="14" y="108"/>
+                    <a:pt x="18" y="117"/>
+                  </a:cubicBezTo>
+                  <a:cubicBezTo>
+                    <a:pt x="22" y="125"/>
+                    <a:pt x="25" y="133"/>
+                    <a:pt x="29" y="141"/>
+                  </a:cubicBezTo>
+                  <a:cubicBezTo>
+                    <a:pt x="28" y="139"/>
+                    <a:pt x="28" y="137"/>
+                    <a:pt x="27" y="135"/>
+                  </a:cubicBezTo>
+                  <a:cubicBezTo>
+                    <a:pt x="16" y="98"/>
+                    <a:pt x="10" y="60"/>
+                    <a:pt x="8" y="22"/>
+                  </a:cubicBezTo>
+                  <a:cubicBezTo>
+                    <a:pt x="7" y="18"/>
+                    <a:pt x="5" y="15"/>
+                    <a:pt x="4" y="11"/>
+                  </a:cubicBezTo>
+                  <a:cubicBezTo>
+                    <a:pt x="2" y="7"/>
+                    <a:pt x="1" y="3"/>
+                    <a:pt x="0" y="0"/>
+                  </a:cubicBezTo>
+                  <a:close/>
+                </a:path>
+              </a:pathLst>
+            </a:custGeom>
+            <a:solidFill>
+              <a:schemeClr val="tx2"/>
+            </a:solidFill>
+            <a:ln>
+              <a:noFill/>
+            </a:ln>
+          </p:spPr>
+        </p:sp>
+        <p:sp>
+          <p:nvSpPr>
+            <p:cNvPr id="36" name="Freeform 37">
+              <a:extLst>
+                <a:ext uri="{FF2B5EF4-FFF2-40B4-BE49-F238E27FC236}">
+                  <a16:creationId xmlns:a16="http://schemas.microsoft.com/office/drawing/2014/main" id="{87F127E5-B10B-4D18-BCF0-E7C3C7F401EC}"/>
+                </a:ext>
+                <a:ext uri="{C183D7F6-B498-43B3-948B-1728B52AA6E4}">
+                  <adec:decorative xmlns:adec="http://schemas.microsoft.com/office/drawing/2017/decorative" val="1"/>
+                </a:ext>
+              </a:extLst>
+            </p:cNvPr>
+            <p:cNvSpPr/>
+            <p:nvPr>
+              <p:extLst>
+                <p:ext uri="{386F3935-93C4-4BCD-93E2-E3B085C9AB24}">
+                  <p16:designElem xmlns:p16="http://schemas.microsoft.com/office/powerpoint/2015/main" val="1"/>
+                </p:ext>
+              </p:extLst>
+            </p:nvPr>
+          </p:nvSpPr>
+          <p:spPr bwMode="auto">
+            <a:xfrm>
+              <a:off x="7412038" y="4978400"/>
+              <a:ext cx="31750" cy="188913"/>
+            </a:xfrm>
+            <a:custGeom>
+              <a:avLst/>
+              <a:gdLst/>
+              <a:ahLst/>
+              <a:cxnLst/>
+              <a:rect l="0" t="0" r="r" b="b"/>
+              <a:pathLst>
+                <a:path w="8" h="48">
+                  <a:moveTo>
+                    <a:pt x="0" y="26"/>
+                  </a:moveTo>
+                  <a:cubicBezTo>
+                    <a:pt x="1" y="29"/>
+                    <a:pt x="2" y="33"/>
+                    <a:pt x="4" y="37"/>
+                  </a:cubicBezTo>
+                  <a:cubicBezTo>
+                    <a:pt x="5" y="41"/>
+                    <a:pt x="7" y="44"/>
+                    <a:pt x="8" y="48"/>
+                  </a:cubicBezTo>
+                  <a:cubicBezTo>
+                    <a:pt x="7" y="38"/>
+                    <a:pt x="7" y="28"/>
+                    <a:pt x="7" y="19"/>
+                  </a:cubicBezTo>
+                  <a:cubicBezTo>
+                    <a:pt x="5" y="12"/>
+                    <a:pt x="3" y="6"/>
+                    <a:pt x="0" y="0"/>
+                  </a:cubicBezTo>
+                  <a:cubicBezTo>
+                    <a:pt x="0" y="1"/>
+                    <a:pt x="0" y="3"/>
+                    <a:pt x="0" y="4"/>
+                  </a:cubicBezTo>
+                  <a:cubicBezTo>
+                    <a:pt x="0" y="11"/>
+                    <a:pt x="0" y="19"/>
+                    <a:pt x="0" y="26"/>
+                  </a:cubicBezTo>
+                  <a:close/>
+                </a:path>
+              </a:pathLst>
+            </a:custGeom>
+            <a:solidFill>
+              <a:schemeClr val="tx2"/>
+            </a:solidFill>
+            <a:ln>
+              <a:noFill/>
+            </a:ln>
+          </p:spPr>
+        </p:sp>
+        <p:sp>
+          <p:nvSpPr>
+            <p:cNvPr id="37" name="Freeform 38">
+              <a:extLst>
+                <a:ext uri="{FF2B5EF4-FFF2-40B4-BE49-F238E27FC236}">
+                  <a16:creationId xmlns:a16="http://schemas.microsoft.com/office/drawing/2014/main" id="{FC692D59-F28D-4E42-B435-225F2C6CFA31}"/>
+                </a:ext>
+                <a:ext uri="{C183D7F6-B498-43B3-948B-1728B52AA6E4}">
+                  <adec:decorative xmlns:adec="http://schemas.microsoft.com/office/drawing/2017/decorative" val="1"/>
+                </a:ext>
+              </a:extLst>
+            </p:cNvPr>
+            <p:cNvSpPr/>
+            <p:nvPr>
+              <p:extLst>
+                <p:ext uri="{386F3935-93C4-4BCD-93E2-E3B085C9AB24}">
+                  <p16:designElem xmlns:p16="http://schemas.microsoft.com/office/powerpoint/2015/main" val="1"/>
+                </p:ext>
+              </p:extLst>
+            </p:nvPr>
+          </p:nvSpPr>
+          <p:spPr bwMode="auto">
+            <a:xfrm>
+              <a:off x="7439026" y="5434013"/>
+              <a:ext cx="174625" cy="439738"/>
+            </a:xfrm>
+            <a:custGeom>
+              <a:avLst/>
+              <a:gdLst/>
+              <a:ahLst/>
+              <a:cxnLst/>
+              <a:rect l="0" t="0" r="r" b="b"/>
+              <a:pathLst>
+                <a:path w="44" h="111">
+                  <a:moveTo>
+                    <a:pt x="11" y="28"/>
+                  </a:moveTo>
+                  <a:cubicBezTo>
+                    <a:pt x="7" y="19"/>
+                    <a:pt x="4" y="9"/>
+                    <a:pt x="0" y="0"/>
+                  </a:cubicBezTo>
+                  <a:cubicBezTo>
+                    <a:pt x="3" y="16"/>
+                    <a:pt x="7" y="33"/>
+                    <a:pt x="11" y="49"/>
+                  </a:cubicBezTo>
+                  <a:cubicBezTo>
+                    <a:pt x="12" y="52"/>
+                    <a:pt x="13" y="55"/>
+                    <a:pt x="14" y="58"/>
+                  </a:cubicBezTo>
+                  <a:cubicBezTo>
+                    <a:pt x="22" y="76"/>
+                    <a:pt x="30" y="94"/>
+                    <a:pt x="39" y="111"/>
+                  </a:cubicBezTo>
+                  <a:cubicBezTo>
+                    <a:pt x="44" y="111"/>
+                    <a:pt x="44" y="111"/>
+                    <a:pt x="44" y="111"/>
+                  </a:cubicBezTo>
+                  <a:cubicBezTo>
+                    <a:pt x="35" y="92"/>
+                    <a:pt x="28" y="72"/>
+                    <a:pt x="22" y="52"/>
+                  </a:cubicBezTo>
+                  <a:cubicBezTo>
+                    <a:pt x="18" y="44"/>
+                    <a:pt x="15" y="36"/>
+                    <a:pt x="11" y="28"/>
+                  </a:cubicBezTo>
+                  <a:close/>
+                </a:path>
+              </a:pathLst>
+            </a:custGeom>
+            <a:solidFill>
+              <a:schemeClr val="tx2"/>
+            </a:solidFill>
+            <a:ln>
+              <a:noFill/>
+            </a:ln>
+          </p:spPr>
+        </p:sp>
+      </p:grpSp>
+      <p:sp>
+        <p:nvSpPr>
+          <p:cNvPr id="39" name="Rectangle 38">
+            <a:extLst>
+              <a:ext uri="{FF2B5EF4-FFF2-40B4-BE49-F238E27FC236}">
+                <a16:creationId xmlns:a16="http://schemas.microsoft.com/office/drawing/2014/main" id="{1996130F-9AB5-4DE9-8574-3AF891C5C172}"/>
+              </a:ext>
+              <a:ext uri="{C183D7F6-B498-43B3-948B-1728B52AA6E4}">
+                <adec:decorative xmlns:adec="http://schemas.microsoft.com/office/drawing/2017/decorative" val="1"/>
+              </a:ext>
+            </a:extLst>
+          </p:cNvPr>
+          <p:cNvSpPr>
+            <a:spLocks noGrp="1" noRot="1" noChangeAspect="1" noMove="1" noResize="1" noEditPoints="1" noAdjustHandles="1" noChangeArrowheads="1" noChangeShapeType="1" noTextEdit="1"/>
+          </p:cNvSpPr>
+          <p:nvPr>
+            <p:extLst>
+              <p:ext uri="{386F3935-93C4-4BCD-93E2-E3B085C9AB24}">
+                <p16:designElem xmlns:p16="http://schemas.microsoft.com/office/powerpoint/2015/main" val="1"/>
+              </p:ext>
+            </p:extLst>
+          </p:nvPr>
+        </p:nvSpPr>
+        <p:spPr>
+          <a:xfrm>
+            <a:off x="0" y="0"/>
+            <a:ext cx="182880" cy="6858000"/>
+          </a:xfrm>
+          <a:prstGeom prst="rect">
+            <a:avLst/>
+          </a:prstGeom>
+          <a:solidFill>
+            <a:schemeClr val="tx2"/>
+          </a:solidFill>
+          <a:ln>
+            <a:noFill/>
+          </a:ln>
+          <a:effectLst/>
+        </p:spPr>
+        <p:style>
+          <a:lnRef idx="1">
+            <a:schemeClr val="accent1"/>
+          </a:lnRef>
+          <a:fillRef idx="3">
+            <a:schemeClr val="accent1"/>
+          </a:fillRef>
+          <a:effectRef idx="2">
+            <a:schemeClr val="accent1"/>
+          </a:effectRef>
+          <a:fontRef idx="minor">
+            <a:schemeClr val="lt1"/>
+          </a:fontRef>
+        </p:style>
+      </p:sp>
+      <p:sp>
+        <p:nvSpPr>
+          <p:cNvPr id="41" name="Freeform 6">
+            <a:extLst>
+              <a:ext uri="{FF2B5EF4-FFF2-40B4-BE49-F238E27FC236}">
+                <a16:creationId xmlns:a16="http://schemas.microsoft.com/office/drawing/2014/main" id="{3623DEAC-F39C-45D6-86DC-1033F6429528}"/>
+              </a:ext>
+              <a:ext uri="{C183D7F6-B498-43B3-948B-1728B52AA6E4}">
+                <adec:decorative xmlns:adec="http://schemas.microsoft.com/office/drawing/2017/decorative" val="1"/>
+              </a:ext>
+            </a:extLst>
+          </p:cNvPr>
+          <p:cNvSpPr>
+            <a:spLocks noGrp="1" noRot="1" noChangeAspect="1" noMove="1" noResize="1" noEditPoints="1" noAdjustHandles="1" noChangeArrowheads="1" noChangeShapeType="1" noTextEdit="1"/>
+          </p:cNvSpPr>
+          <p:nvPr>
+            <p:extLst>
+              <p:ext uri="{386F3935-93C4-4BCD-93E2-E3B085C9AB24}">
+                <p16:designElem xmlns:p16="http://schemas.microsoft.com/office/powerpoint/2015/main" val="1"/>
+              </p:ext>
+            </p:extLst>
+          </p:nvPr>
+        </p:nvSpPr>
+        <p:spPr bwMode="auto">
+          <a:xfrm>
+            <a:off x="0" y="4323810"/>
+            <a:ext cx="1744652" cy="778589"/>
+          </a:xfrm>
+          <a:custGeom>
+            <a:avLst/>
+            <a:gdLst/>
+            <a:ahLst/>
+            <a:cxnLst/>
+            <a:rect l="0" t="0" r="r" b="b"/>
+            <a:pathLst>
+              <a:path w="372" h="166">
+                <a:moveTo>
+                  <a:pt x="287" y="166"/>
+                </a:moveTo>
+                <a:cubicBezTo>
+                  <a:pt x="290" y="166"/>
+                  <a:pt x="292" y="165"/>
+                  <a:pt x="293" y="164"/>
+                </a:cubicBezTo>
+                <a:cubicBezTo>
+                  <a:pt x="293" y="163"/>
+                  <a:pt x="294" y="163"/>
+                  <a:pt x="294" y="163"/>
+                </a:cubicBezTo>
+                <a:cubicBezTo>
+                  <a:pt x="370" y="87"/>
+                  <a:pt x="370" y="87"/>
+                  <a:pt x="370" y="87"/>
+                </a:cubicBezTo>
+                <a:cubicBezTo>
+                  <a:pt x="372" y="85"/>
+                  <a:pt x="372" y="81"/>
+                  <a:pt x="370" y="78"/>
+                </a:cubicBezTo>
+                <a:cubicBezTo>
+                  <a:pt x="294" y="3"/>
+                  <a:pt x="294" y="3"/>
+                  <a:pt x="294" y="3"/>
+                </a:cubicBezTo>
+                <a:cubicBezTo>
+                  <a:pt x="294" y="2"/>
+                  <a:pt x="293" y="2"/>
+                  <a:pt x="293" y="2"/>
+                </a:cubicBezTo>
+                <a:cubicBezTo>
+                  <a:pt x="292" y="1"/>
+                  <a:pt x="290" y="0"/>
+                  <a:pt x="287" y="0"/>
+                </a:cubicBezTo>
+                <a:cubicBezTo>
+                  <a:pt x="0" y="0"/>
+                  <a:pt x="0" y="0"/>
+                  <a:pt x="0" y="0"/>
+                </a:cubicBezTo>
+                <a:cubicBezTo>
+                  <a:pt x="0" y="166"/>
+                  <a:pt x="0" y="166"/>
+                  <a:pt x="0" y="166"/>
+                </a:cubicBezTo>
+                <a:lnTo>
+                  <a:pt x="287" y="166"/>
+                </a:lnTo>
+                <a:close/>
+              </a:path>
+            </a:pathLst>
+          </a:custGeom>
+          <a:solidFill>
+            <a:schemeClr val="accent1"/>
+          </a:solidFill>
+          <a:ln>
+            <a:noFill/>
+          </a:ln>
+        </p:spPr>
+      </p:sp>
+      <p:sp useBgFill="1">
+        <p:nvSpPr>
+          <p:cNvPr id="43" name="Rectangle 42">
+            <a:extLst>
+              <a:ext uri="{FF2B5EF4-FFF2-40B4-BE49-F238E27FC236}">
+                <a16:creationId xmlns:a16="http://schemas.microsoft.com/office/drawing/2014/main" id="{A692209D-B607-46C3-8560-07AF72291659}"/>
+              </a:ext>
+              <a:ext uri="{C183D7F6-B498-43B3-948B-1728B52AA6E4}">
+                <adec:decorative xmlns:adec="http://schemas.microsoft.com/office/drawing/2017/decorative" val="1"/>
+              </a:ext>
+            </a:extLst>
+          </p:cNvPr>
+          <p:cNvSpPr>
+            <a:spLocks noGrp="1" noRot="1" noChangeAspect="1" noMove="1" noResize="1" noEditPoints="1" noAdjustHandles="1" noChangeArrowheads="1" noChangeShapeType="1" noTextEdit="1"/>
+          </p:cNvSpPr>
+          <p:nvPr>
+            <p:extLst>
+              <p:ext uri="{386F3935-93C4-4BCD-93E2-E3B085C9AB24}">
+                <p16:designElem xmlns:p16="http://schemas.microsoft.com/office/powerpoint/2015/main" val="1"/>
+              </p:ext>
+            </p:extLst>
+          </p:nvPr>
+        </p:nvSpPr>
+        <p:spPr>
+          <a:xfrm>
+            <a:off x="0" y="-786"/>
+            <a:ext cx="12192000" cy="6854038"/>
+          </a:xfrm>
+          <a:prstGeom prst="rect">
+            <a:avLst/>
+          </a:prstGeom>
+          <a:ln>
+            <a:noFill/>
+          </a:ln>
+        </p:spPr>
+        <p:style>
+          <a:lnRef idx="2">
+            <a:schemeClr val="accent1">
+              <a:shade val="50000"/>
+            </a:schemeClr>
+          </a:lnRef>
+          <a:fillRef idx="1">
+            <a:schemeClr val="accent1"/>
+          </a:fillRef>
+          <a:effectRef idx="0">
+            <a:schemeClr val="accent1"/>
+          </a:effectRef>
+          <a:fontRef idx="minor">
+            <a:schemeClr val="lt1"/>
+          </a:fontRef>
+        </p:style>
+        <p:txBody>
+          <a:bodyPr rtlCol="0" anchor="ctr"/>
+          <a:lstStyle/>
+          <a:p>
+            <a:pPr algn="ctr"/>
+            <a:endParaRPr lang="en-US"/>
+          </a:p>
+        </p:txBody>
+      </p:sp>
+      <p:sp>
+        <p:nvSpPr>
+          <p:cNvPr id="45" name="Rectangle 44">
+            <a:extLst>
+              <a:ext uri="{FF2B5EF4-FFF2-40B4-BE49-F238E27FC236}">
+                <a16:creationId xmlns:a16="http://schemas.microsoft.com/office/drawing/2014/main" id="{94874638-CF15-4908-BC4B-4908744D0BAF}"/>
+              </a:ext>
+              <a:ext uri="{C183D7F6-B498-43B3-948B-1728B52AA6E4}">
+                <adec:decorative xmlns:adec="http://schemas.microsoft.com/office/drawing/2017/decorative" val="1"/>
+              </a:ext>
+            </a:extLst>
+          </p:cNvPr>
+          <p:cNvSpPr>
+            <a:spLocks noGrp="1" noRot="1" noChangeAspect="1" noMove="1" noResize="1" noEditPoints="1" noAdjustHandles="1" noChangeArrowheads="1" noChangeShapeType="1" noTextEdit="1"/>
+          </p:cNvSpPr>
+          <p:nvPr>
+            <p:extLst>
+              <p:ext uri="{386F3935-93C4-4BCD-93E2-E3B085C9AB24}">
+                <p16:designElem xmlns:p16="http://schemas.microsoft.com/office/powerpoint/2015/main" val="1"/>
+              </p:ext>
+            </p:extLst>
+          </p:nvPr>
+        </p:nvSpPr>
+        <p:spPr bwMode="white">
+          <a:xfrm>
+            <a:off x="-1" y="0"/>
+            <a:ext cx="4639734" cy="6858000"/>
+          </a:xfrm>
+          <a:prstGeom prst="rect">
+            <a:avLst/>
+          </a:prstGeom>
+          <a:solidFill>
+            <a:schemeClr val="tx2">
+              <a:lumMod val="50000"/>
+              <a:alpha val="90000"/>
+            </a:schemeClr>
+          </a:solidFill>
+          <a:ln>
+            <a:noFill/>
+          </a:ln>
+          <a:effectLst/>
+        </p:spPr>
+        <p:style>
+          <a:lnRef idx="1">
+            <a:schemeClr val="accent1"/>
+          </a:lnRef>
+          <a:fillRef idx="3">
+            <a:schemeClr val="accent1"/>
+          </a:fillRef>
+          <a:effectRef idx="2">
+            <a:schemeClr val="accent1"/>
+          </a:effectRef>
+          <a:fontRef idx="minor">
+            <a:schemeClr val="lt1"/>
+          </a:fontRef>
+        </p:style>
+      </p:sp>
       <p:sp>
         <p:nvSpPr>
           <p:cNvPr id="2" name="Title 1">
             <a:extLst>
               <a:ext uri="{FF2B5EF4-FFF2-40B4-BE49-F238E27FC236}">
-                <a16:creationId xmlns:a16="http://schemas.microsoft.com/office/drawing/2014/main" id="{473E016D-FF05-4A43-BDFA-019F567EFD7E}"/>
+                <a16:creationId xmlns:a16="http://schemas.microsoft.com/office/drawing/2014/main" id="{AF689963-50BB-4B3E-A6CA-6AA335C78692}"/>
               </a:ext>
             </a:extLst>
           </p:cNvPr>
@@ -16610,14 +19441,947 @@
             <p:ph type="title"/>
           </p:nvPr>
         </p:nvSpPr>
-        <p:spPr/>
+        <p:spPr>
+          <a:xfrm>
+            <a:off x="540279" y="967417"/>
+            <a:ext cx="3778870" cy="3943250"/>
+          </a:xfrm>
+        </p:spPr>
         <p:txBody>
-          <a:bodyPr/>
+          <a:bodyPr vert="horz" lIns="91440" tIns="45720" rIns="91440" bIns="45720" rtlCol="0" anchor="b">
+            <a:normAutofit/>
+          </a:bodyPr>
+          <a:lstStyle/>
+          <a:p>
+            <a:r>
+              <a:rPr lang="en-US" sz="4000" dirty="0">
+                <a:solidFill>
+                  <a:srgbClr val="FEFFFF"/>
+                </a:solidFill>
+              </a:rPr>
+              <a:t>Combined</a:t>
+            </a:r>
+          </a:p>
+        </p:txBody>
+      </p:sp>
+      <p:sp>
+        <p:nvSpPr>
+          <p:cNvPr id="47" name="Freeform 5">
+            <a:extLst>
+              <a:ext uri="{FF2B5EF4-FFF2-40B4-BE49-F238E27FC236}">
+                <a16:creationId xmlns:a16="http://schemas.microsoft.com/office/drawing/2014/main" id="{5F1B8348-CD6E-4561-A704-C232D9A2676D}"/>
+              </a:ext>
+              <a:ext uri="{C183D7F6-B498-43B3-948B-1728B52AA6E4}">
+                <adec:decorative xmlns:adec="http://schemas.microsoft.com/office/drawing/2017/decorative" val="1"/>
+              </a:ext>
+            </a:extLst>
+          </p:cNvPr>
+          <p:cNvSpPr>
+            <a:spLocks noGrp="1" noRot="1" noChangeAspect="1" noMove="1" noResize="1" noEditPoints="1" noAdjustHandles="1" noChangeArrowheads="1" noChangeShapeType="1" noTextEdit="1"/>
+          </p:cNvSpPr>
+          <p:nvPr>
+            <p:extLst>
+              <p:ext uri="{386F3935-93C4-4BCD-93E2-E3B085C9AB24}">
+                <p16:designElem xmlns:p16="http://schemas.microsoft.com/office/powerpoint/2015/main" val="1"/>
+              </p:ext>
+            </p:extLst>
+          </p:nvPr>
+        </p:nvSpPr>
+        <p:spPr bwMode="grayWhite">
+          <a:xfrm>
+            <a:off x="0" y="5033007"/>
+            <a:ext cx="5404022" cy="857047"/>
+          </a:xfrm>
+          <a:custGeom>
+            <a:avLst/>
+            <a:gdLst>
+              <a:gd name="T0" fmla="*/ 1114 w 1117"/>
+              <a:gd name="T1" fmla="*/ 77 h 163"/>
+              <a:gd name="T2" fmla="*/ 1040 w 1117"/>
+              <a:gd name="T3" fmla="*/ 3 h 163"/>
+              <a:gd name="T4" fmla="*/ 1039 w 1117"/>
+              <a:gd name="T5" fmla="*/ 2 h 163"/>
+              <a:gd name="T6" fmla="*/ 1034 w 1117"/>
+              <a:gd name="T7" fmla="*/ 0 h 163"/>
+              <a:gd name="T8" fmla="*/ 578 w 1117"/>
+              <a:gd name="T9" fmla="*/ 0 h 163"/>
+              <a:gd name="T10" fmla="*/ 562 w 1117"/>
+              <a:gd name="T11" fmla="*/ 0 h 163"/>
+              <a:gd name="T12" fmla="*/ 440 w 1117"/>
+              <a:gd name="T13" fmla="*/ 0 h 163"/>
+              <a:gd name="T14" fmla="*/ 106 w 1117"/>
+              <a:gd name="T15" fmla="*/ 0 h 163"/>
+              <a:gd name="T16" fmla="*/ 0 w 1117"/>
+              <a:gd name="T17" fmla="*/ 0 h 163"/>
+              <a:gd name="T18" fmla="*/ 0 w 1117"/>
+              <a:gd name="T19" fmla="*/ 163 h 163"/>
+              <a:gd name="T20" fmla="*/ 106 w 1117"/>
+              <a:gd name="T21" fmla="*/ 163 h 163"/>
+              <a:gd name="T22" fmla="*/ 440 w 1117"/>
+              <a:gd name="T23" fmla="*/ 163 h 163"/>
+              <a:gd name="T24" fmla="*/ 562 w 1117"/>
+              <a:gd name="T25" fmla="*/ 163 h 163"/>
+              <a:gd name="T26" fmla="*/ 578 w 1117"/>
+              <a:gd name="T27" fmla="*/ 163 h 163"/>
+              <a:gd name="T28" fmla="*/ 1034 w 1117"/>
+              <a:gd name="T29" fmla="*/ 163 h 163"/>
+              <a:gd name="T30" fmla="*/ 1039 w 1117"/>
+              <a:gd name="T31" fmla="*/ 161 h 163"/>
+              <a:gd name="T32" fmla="*/ 1040 w 1117"/>
+              <a:gd name="T33" fmla="*/ 160 h 163"/>
+              <a:gd name="T34" fmla="*/ 1114 w 1117"/>
+              <a:gd name="T35" fmla="*/ 86 h 163"/>
+              <a:gd name="T36" fmla="*/ 1114 w 1117"/>
+              <a:gd name="T37" fmla="*/ 77 h 163"/>
+            </a:gdLst>
+            <a:ahLst/>
+            <a:cxnLst>
+              <a:cxn ang="0">
+                <a:pos x="T0" y="T1"/>
+              </a:cxn>
+              <a:cxn ang="0">
+                <a:pos x="T2" y="T3"/>
+              </a:cxn>
+              <a:cxn ang="0">
+                <a:pos x="T4" y="T5"/>
+              </a:cxn>
+              <a:cxn ang="0">
+                <a:pos x="T6" y="T7"/>
+              </a:cxn>
+              <a:cxn ang="0">
+                <a:pos x="T8" y="T9"/>
+              </a:cxn>
+              <a:cxn ang="0">
+                <a:pos x="T10" y="T11"/>
+              </a:cxn>
+              <a:cxn ang="0">
+                <a:pos x="T12" y="T13"/>
+              </a:cxn>
+              <a:cxn ang="0">
+                <a:pos x="T14" y="T15"/>
+              </a:cxn>
+              <a:cxn ang="0">
+                <a:pos x="T16" y="T17"/>
+              </a:cxn>
+              <a:cxn ang="0">
+                <a:pos x="T18" y="T19"/>
+              </a:cxn>
+              <a:cxn ang="0">
+                <a:pos x="T20" y="T21"/>
+              </a:cxn>
+              <a:cxn ang="0">
+                <a:pos x="T22" y="T23"/>
+              </a:cxn>
+              <a:cxn ang="0">
+                <a:pos x="T24" y="T25"/>
+              </a:cxn>
+              <a:cxn ang="0">
+                <a:pos x="T26" y="T27"/>
+              </a:cxn>
+              <a:cxn ang="0">
+                <a:pos x="T28" y="T29"/>
+              </a:cxn>
+              <a:cxn ang="0">
+                <a:pos x="T30" y="T31"/>
+              </a:cxn>
+              <a:cxn ang="0">
+                <a:pos x="T32" y="T33"/>
+              </a:cxn>
+              <a:cxn ang="0">
+                <a:pos x="T34" y="T35"/>
+              </a:cxn>
+              <a:cxn ang="0">
+                <a:pos x="T36" y="T37"/>
+              </a:cxn>
+            </a:cxnLst>
+            <a:rect l="0" t="0" r="r" b="b"/>
+            <a:pathLst>
+              <a:path w="1117" h="163">
+                <a:moveTo>
+                  <a:pt x="1114" y="77"/>
+                </a:moveTo>
+                <a:cubicBezTo>
+                  <a:pt x="1040" y="3"/>
+                  <a:pt x="1040" y="3"/>
+                  <a:pt x="1040" y="3"/>
+                </a:cubicBezTo>
+                <a:cubicBezTo>
+                  <a:pt x="1040" y="2"/>
+                  <a:pt x="1039" y="2"/>
+                  <a:pt x="1039" y="2"/>
+                </a:cubicBezTo>
+                <a:cubicBezTo>
+                  <a:pt x="1038" y="1"/>
+                  <a:pt x="1036" y="0"/>
+                  <a:pt x="1034" y="0"/>
+                </a:cubicBezTo>
+                <a:cubicBezTo>
+                  <a:pt x="578" y="0"/>
+                  <a:pt x="578" y="0"/>
+                  <a:pt x="578" y="0"/>
+                </a:cubicBezTo>
+                <a:cubicBezTo>
+                  <a:pt x="562" y="0"/>
+                  <a:pt x="562" y="0"/>
+                  <a:pt x="562" y="0"/>
+                </a:cubicBezTo>
+                <a:cubicBezTo>
+                  <a:pt x="440" y="0"/>
+                  <a:pt x="440" y="0"/>
+                  <a:pt x="440" y="0"/>
+                </a:cubicBezTo>
+                <a:cubicBezTo>
+                  <a:pt x="106" y="0"/>
+                  <a:pt x="106" y="0"/>
+                  <a:pt x="106" y="0"/>
+                </a:cubicBezTo>
+                <a:cubicBezTo>
+                  <a:pt x="0" y="0"/>
+                  <a:pt x="0" y="0"/>
+                  <a:pt x="0" y="0"/>
+                </a:cubicBezTo>
+                <a:cubicBezTo>
+                  <a:pt x="0" y="163"/>
+                  <a:pt x="0" y="163"/>
+                  <a:pt x="0" y="163"/>
+                </a:cubicBezTo>
+                <a:cubicBezTo>
+                  <a:pt x="106" y="163"/>
+                  <a:pt x="106" y="163"/>
+                  <a:pt x="106" y="163"/>
+                </a:cubicBezTo>
+                <a:cubicBezTo>
+                  <a:pt x="440" y="163"/>
+                  <a:pt x="440" y="163"/>
+                  <a:pt x="440" y="163"/>
+                </a:cubicBezTo>
+                <a:cubicBezTo>
+                  <a:pt x="562" y="163"/>
+                  <a:pt x="562" y="163"/>
+                  <a:pt x="562" y="163"/>
+                </a:cubicBezTo>
+                <a:cubicBezTo>
+                  <a:pt x="578" y="163"/>
+                  <a:pt x="578" y="163"/>
+                  <a:pt x="578" y="163"/>
+                </a:cubicBezTo>
+                <a:cubicBezTo>
+                  <a:pt x="1034" y="163"/>
+                  <a:pt x="1034" y="163"/>
+                  <a:pt x="1034" y="163"/>
+                </a:cubicBezTo>
+                <a:cubicBezTo>
+                  <a:pt x="1036" y="163"/>
+                  <a:pt x="1038" y="162"/>
+                  <a:pt x="1039" y="161"/>
+                </a:cubicBezTo>
+                <a:cubicBezTo>
+                  <a:pt x="1039" y="160"/>
+                  <a:pt x="1040" y="160"/>
+                  <a:pt x="1040" y="160"/>
+                </a:cubicBezTo>
+                <a:cubicBezTo>
+                  <a:pt x="1114" y="86"/>
+                  <a:pt x="1114" y="86"/>
+                  <a:pt x="1114" y="86"/>
+                </a:cubicBezTo>
+                <a:cubicBezTo>
+                  <a:pt x="1117" y="83"/>
+                  <a:pt x="1117" y="79"/>
+                  <a:pt x="1114" y="77"/>
+                </a:cubicBezTo>
+                <a:close/>
+              </a:path>
+            </a:pathLst>
+          </a:custGeom>
+          <a:solidFill>
+            <a:schemeClr val="accent1"/>
+          </a:solidFill>
+          <a:ln>
+            <a:noFill/>
+          </a:ln>
+        </p:spPr>
+        <p:txBody>
+          <a:bodyPr vert="horz" wrap="square" lIns="91440" tIns="45720" rIns="91440" bIns="45720" numCol="1" anchor="t" anchorCtr="0" compatLnSpc="1">
+            <a:prstTxWarp prst="textNoShape">
+              <a:avLst/>
+            </a:prstTxWarp>
+          </a:bodyPr>
+          <a:lstStyle/>
+          <a:p>
+            <a:endParaRPr lang="en-US"/>
+          </a:p>
+        </p:txBody>
+      </p:sp>
+      <p:sp>
+        <p:nvSpPr>
+          <p:cNvPr id="4" name="Text Placeholder 3">
+            <a:extLst>
+              <a:ext uri="{FF2B5EF4-FFF2-40B4-BE49-F238E27FC236}">
+                <a16:creationId xmlns:a16="http://schemas.microsoft.com/office/drawing/2014/main" id="{68C2A740-DFC8-45B9-BE34-5F166AB575FC}"/>
+              </a:ext>
+            </a:extLst>
+          </p:cNvPr>
+          <p:cNvSpPr>
+            <a:spLocks noGrp="1"/>
+          </p:cNvSpPr>
+          <p:nvPr>
+            <p:ph type="body" sz="half" idx="2"/>
+          </p:nvPr>
+        </p:nvSpPr>
+        <p:spPr>
+          <a:xfrm>
+            <a:off x="540279" y="5189400"/>
+            <a:ext cx="3778870" cy="544260"/>
+          </a:xfrm>
+        </p:spPr>
+        <p:txBody>
+          <a:bodyPr vert="horz" lIns="91440" tIns="45720" rIns="91440" bIns="45720" rtlCol="0" anchor="ctr">
+            <a:normAutofit/>
+          </a:bodyPr>
+          <a:lstStyle/>
+          <a:p>
+            <a:pPr>
+              <a:lnSpc>
+                <a:spcPct val="90000"/>
+              </a:lnSpc>
+            </a:pPr>
+            <a:r>
+              <a:rPr lang="en-US" sz="1600" dirty="0">
+                <a:solidFill>
+                  <a:srgbClr val="FEFFFF"/>
+                </a:solidFill>
+              </a:rPr>
+              <a:t>This is what the code structure is meant to represent</a:t>
+            </a:r>
+          </a:p>
+        </p:txBody>
+      </p:sp>
+      <p:sp>
+        <p:nvSpPr>
+          <p:cNvPr id="7" name="Flowchart: Connector 6">
+            <a:extLst>
+              <a:ext uri="{FF2B5EF4-FFF2-40B4-BE49-F238E27FC236}">
+                <a16:creationId xmlns:a16="http://schemas.microsoft.com/office/drawing/2014/main" id="{3C1C340C-BB16-47EE-A302-1DF37E70BBD7}"/>
+              </a:ext>
+            </a:extLst>
+          </p:cNvPr>
+          <p:cNvSpPr/>
+          <p:nvPr/>
+        </p:nvSpPr>
+        <p:spPr>
+          <a:xfrm>
+            <a:off x="4969565" y="2888150"/>
+            <a:ext cx="934278" cy="918537"/>
+          </a:xfrm>
+          <a:prstGeom prst="flowChartConnector">
+            <a:avLst/>
+          </a:prstGeom>
+          <a:noFill/>
+        </p:spPr>
+        <p:style>
+          <a:lnRef idx="2">
+            <a:schemeClr val="accent1">
+              <a:shade val="50000"/>
+            </a:schemeClr>
+          </a:lnRef>
+          <a:fillRef idx="1">
+            <a:schemeClr val="accent1"/>
+          </a:fillRef>
+          <a:effectRef idx="0">
+            <a:schemeClr val="accent1"/>
+          </a:effectRef>
+          <a:fontRef idx="minor">
+            <a:schemeClr val="lt1"/>
+          </a:fontRef>
+        </p:style>
+        <p:txBody>
+          <a:bodyPr rtlCol="0" anchor="ctr"/>
+          <a:lstStyle/>
+          <a:p>
+            <a:pPr algn="ctr"/>
+            <a:r>
+              <a:rPr lang="en-US" dirty="0">
+                <a:solidFill>
+                  <a:sysClr val="windowText" lastClr="000000"/>
+                </a:solidFill>
+              </a:rPr>
+              <a:t>S</a:t>
+            </a:r>
+            <a:endParaRPr lang="en-PH" dirty="0">
+              <a:solidFill>
+                <a:sysClr val="windowText" lastClr="000000"/>
+              </a:solidFill>
+            </a:endParaRPr>
+          </a:p>
+        </p:txBody>
+      </p:sp>
+      <p:sp>
+        <p:nvSpPr>
+          <p:cNvPr id="40" name="Flowchart: Connector 39">
+            <a:extLst>
+              <a:ext uri="{FF2B5EF4-FFF2-40B4-BE49-F238E27FC236}">
+                <a16:creationId xmlns:a16="http://schemas.microsoft.com/office/drawing/2014/main" id="{383BE088-5B53-4BD8-AF4E-547ACAC2A29A}"/>
+              </a:ext>
+            </a:extLst>
+          </p:cNvPr>
+          <p:cNvSpPr/>
+          <p:nvPr/>
+        </p:nvSpPr>
+        <p:spPr>
+          <a:xfrm>
+            <a:off x="11020132" y="2888150"/>
+            <a:ext cx="934278" cy="918537"/>
+          </a:xfrm>
+          <a:prstGeom prst="flowChartConnector">
+            <a:avLst/>
+          </a:prstGeom>
+          <a:noFill/>
+        </p:spPr>
+        <p:style>
+          <a:lnRef idx="2">
+            <a:schemeClr val="accent1">
+              <a:shade val="50000"/>
+            </a:schemeClr>
+          </a:lnRef>
+          <a:fillRef idx="1">
+            <a:schemeClr val="accent1"/>
+          </a:fillRef>
+          <a:effectRef idx="0">
+            <a:schemeClr val="accent1"/>
+          </a:effectRef>
+          <a:fontRef idx="minor">
+            <a:schemeClr val="lt1"/>
+          </a:fontRef>
+        </p:style>
+        <p:txBody>
+          <a:bodyPr rtlCol="0" anchor="ctr"/>
+          <a:lstStyle/>
+          <a:p>
+            <a:pPr algn="ctr"/>
+            <a:r>
+              <a:rPr lang="en-US" dirty="0">
+                <a:solidFill>
+                  <a:sysClr val="windowText" lastClr="000000"/>
+                </a:solidFill>
+              </a:rPr>
+              <a:t>A</a:t>
+            </a:r>
+            <a:endParaRPr lang="en-PH" dirty="0">
+              <a:solidFill>
+                <a:sysClr val="windowText" lastClr="000000"/>
+              </a:solidFill>
+            </a:endParaRPr>
+          </a:p>
+        </p:txBody>
+      </p:sp>
+      <p:sp>
+        <p:nvSpPr>
+          <p:cNvPr id="8" name="Flowchart: Connector 7">
+            <a:extLst>
+              <a:ext uri="{FF2B5EF4-FFF2-40B4-BE49-F238E27FC236}">
+                <a16:creationId xmlns:a16="http://schemas.microsoft.com/office/drawing/2014/main" id="{6840CB99-6473-47F4-8E3F-F6ACE169A449}"/>
+              </a:ext>
+            </a:extLst>
+          </p:cNvPr>
+          <p:cNvSpPr/>
+          <p:nvPr/>
+        </p:nvSpPr>
+        <p:spPr>
+          <a:xfrm>
+            <a:off x="11164249" y="3016974"/>
+            <a:ext cx="646044" cy="660887"/>
+          </a:xfrm>
+          <a:prstGeom prst="flowChartConnector">
+            <a:avLst/>
+          </a:prstGeom>
+          <a:noFill/>
+        </p:spPr>
+        <p:style>
+          <a:lnRef idx="2">
+            <a:schemeClr val="accent1">
+              <a:shade val="50000"/>
+            </a:schemeClr>
+          </a:lnRef>
+          <a:fillRef idx="1">
+            <a:schemeClr val="accent1"/>
+          </a:fillRef>
+          <a:effectRef idx="0">
+            <a:schemeClr val="accent1"/>
+          </a:effectRef>
+          <a:fontRef idx="minor">
+            <a:schemeClr val="lt1"/>
+          </a:fontRef>
+        </p:style>
+        <p:txBody>
+          <a:bodyPr rtlCol="0" anchor="ctr"/>
+          <a:lstStyle/>
+          <a:p>
+            <a:pPr algn="ctr"/>
+            <a:endParaRPr lang="en-PH"/>
+          </a:p>
+        </p:txBody>
+      </p:sp>
+      <p:sp>
+        <p:nvSpPr>
+          <p:cNvPr id="9" name="Rectangle 8">
+            <a:extLst>
+              <a:ext uri="{FF2B5EF4-FFF2-40B4-BE49-F238E27FC236}">
+                <a16:creationId xmlns:a16="http://schemas.microsoft.com/office/drawing/2014/main" id="{C8458481-82A6-4FDB-90D6-3395E796C9DD}"/>
+              </a:ext>
+            </a:extLst>
+          </p:cNvPr>
+          <p:cNvSpPr/>
+          <p:nvPr/>
+        </p:nvSpPr>
+        <p:spPr>
+          <a:xfrm>
+            <a:off x="7458133" y="2126974"/>
+            <a:ext cx="2007705" cy="576469"/>
+          </a:xfrm>
+          <a:prstGeom prst="rect">
+            <a:avLst/>
+          </a:prstGeom>
+          <a:noFill/>
+        </p:spPr>
+        <p:style>
+          <a:lnRef idx="2">
+            <a:schemeClr val="accent1">
+              <a:shade val="50000"/>
+            </a:schemeClr>
+          </a:lnRef>
+          <a:fillRef idx="1">
+            <a:schemeClr val="accent1"/>
+          </a:fillRef>
+          <a:effectRef idx="0">
+            <a:schemeClr val="accent1"/>
+          </a:effectRef>
+          <a:fontRef idx="minor">
+            <a:schemeClr val="lt1"/>
+          </a:fontRef>
+        </p:style>
+        <p:txBody>
+          <a:bodyPr rtlCol="0" anchor="ctr"/>
+          <a:lstStyle/>
+          <a:p>
+            <a:pPr algn="ctr"/>
+            <a:r>
+              <a:rPr lang="en-US" dirty="0">
+                <a:solidFill>
+                  <a:sysClr val="windowText" lastClr="000000"/>
+                </a:solidFill>
+              </a:rPr>
+              <a:t>GFA</a:t>
+            </a:r>
+            <a:endParaRPr lang="en-PH" dirty="0">
+              <a:solidFill>
+                <a:sysClr val="windowText" lastClr="000000"/>
+              </a:solidFill>
+            </a:endParaRPr>
+          </a:p>
+        </p:txBody>
+      </p:sp>
+      <p:sp>
+        <p:nvSpPr>
+          <p:cNvPr id="42" name="Rectangle 41">
+            <a:extLst>
+              <a:ext uri="{FF2B5EF4-FFF2-40B4-BE49-F238E27FC236}">
+                <a16:creationId xmlns:a16="http://schemas.microsoft.com/office/drawing/2014/main" id="{8A731701-F03E-416C-ADF5-8F5B0117C738}"/>
+              </a:ext>
+            </a:extLst>
+          </p:cNvPr>
+          <p:cNvSpPr/>
+          <p:nvPr/>
+        </p:nvSpPr>
+        <p:spPr>
+          <a:xfrm>
+            <a:off x="7458135" y="3059182"/>
+            <a:ext cx="2007705" cy="576469"/>
+          </a:xfrm>
+          <a:prstGeom prst="rect">
+            <a:avLst/>
+          </a:prstGeom>
+          <a:noFill/>
+        </p:spPr>
+        <p:style>
+          <a:lnRef idx="2">
+            <a:schemeClr val="accent1">
+              <a:shade val="50000"/>
+            </a:schemeClr>
+          </a:lnRef>
+          <a:fillRef idx="1">
+            <a:schemeClr val="accent1"/>
+          </a:fillRef>
+          <a:effectRef idx="0">
+            <a:schemeClr val="accent1"/>
+          </a:effectRef>
+          <a:fontRef idx="minor">
+            <a:schemeClr val="lt1"/>
+          </a:fontRef>
+        </p:style>
+        <p:txBody>
+          <a:bodyPr rtlCol="0" anchor="ctr"/>
+          <a:lstStyle/>
+          <a:p>
+            <a:pPr algn="ctr"/>
+            <a:r>
+              <a:rPr lang="en-US" dirty="0">
+                <a:solidFill>
+                  <a:sysClr val="windowText" lastClr="000000"/>
+                </a:solidFill>
+              </a:rPr>
+              <a:t>NFA</a:t>
+            </a:r>
+            <a:endParaRPr lang="en-PH" dirty="0">
+              <a:solidFill>
+                <a:sysClr val="windowText" lastClr="000000"/>
+              </a:solidFill>
+            </a:endParaRPr>
+          </a:p>
+        </p:txBody>
+      </p:sp>
+      <p:sp>
+        <p:nvSpPr>
+          <p:cNvPr id="44" name="Rectangle 43">
+            <a:extLst>
+              <a:ext uri="{FF2B5EF4-FFF2-40B4-BE49-F238E27FC236}">
+                <a16:creationId xmlns:a16="http://schemas.microsoft.com/office/drawing/2014/main" id="{4A63E6A8-34C1-4E37-89D2-44F9A4C7C56B}"/>
+              </a:ext>
+            </a:extLst>
+          </p:cNvPr>
+          <p:cNvSpPr/>
+          <p:nvPr/>
+        </p:nvSpPr>
+        <p:spPr>
+          <a:xfrm>
+            <a:off x="7458134" y="3991390"/>
+            <a:ext cx="2007705" cy="576469"/>
+          </a:xfrm>
+          <a:prstGeom prst="rect">
+            <a:avLst/>
+          </a:prstGeom>
+          <a:noFill/>
+        </p:spPr>
+        <p:style>
+          <a:lnRef idx="2">
+            <a:schemeClr val="accent1">
+              <a:shade val="50000"/>
+            </a:schemeClr>
+          </a:lnRef>
+          <a:fillRef idx="1">
+            <a:schemeClr val="accent1"/>
+          </a:fillRef>
+          <a:effectRef idx="0">
+            <a:schemeClr val="accent1"/>
+          </a:effectRef>
+          <a:fontRef idx="minor">
+            <a:schemeClr val="lt1"/>
+          </a:fontRef>
+        </p:style>
+        <p:txBody>
+          <a:bodyPr rtlCol="0" anchor="ctr"/>
+          <a:lstStyle/>
+          <a:p>
+            <a:pPr algn="ctr"/>
+            <a:r>
+              <a:rPr lang="en-US" dirty="0">
+                <a:solidFill>
+                  <a:sysClr val="windowText" lastClr="000000"/>
+                </a:solidFill>
+              </a:rPr>
+              <a:t>KEYWORD</a:t>
+            </a:r>
+            <a:endParaRPr lang="en-PH" dirty="0">
+              <a:solidFill>
+                <a:sysClr val="windowText" lastClr="000000"/>
+              </a:solidFill>
+            </a:endParaRPr>
+          </a:p>
+        </p:txBody>
+      </p:sp>
+      <p:cxnSp>
+        <p:nvCxnSpPr>
+          <p:cNvPr id="24" name="Straight Arrow Connector 23">
+            <a:extLst>
+              <a:ext uri="{FF2B5EF4-FFF2-40B4-BE49-F238E27FC236}">
+                <a16:creationId xmlns:a16="http://schemas.microsoft.com/office/drawing/2014/main" id="{33D62705-6FEB-4603-B1BF-4B82ED4485A0}"/>
+              </a:ext>
+            </a:extLst>
+          </p:cNvPr>
+          <p:cNvCxnSpPr>
+            <a:stCxn id="7" idx="6"/>
+            <a:endCxn id="9" idx="1"/>
+          </p:cNvCxnSpPr>
+          <p:nvPr/>
+        </p:nvCxnSpPr>
+        <p:spPr>
+          <a:xfrm flipV="1">
+            <a:off x="5903843" y="2415209"/>
+            <a:ext cx="1554290" cy="932210"/>
+          </a:xfrm>
+          <a:prstGeom prst="straightConnector1">
+            <a:avLst/>
+          </a:prstGeom>
+          <a:ln>
+            <a:tailEnd type="triangle"/>
+          </a:ln>
+        </p:spPr>
+        <p:style>
+          <a:lnRef idx="1">
+            <a:schemeClr val="accent1"/>
+          </a:lnRef>
+          <a:fillRef idx="0">
+            <a:schemeClr val="accent1"/>
+          </a:fillRef>
+          <a:effectRef idx="0">
+            <a:schemeClr val="accent1"/>
+          </a:effectRef>
+          <a:fontRef idx="minor">
+            <a:schemeClr val="tx1"/>
+          </a:fontRef>
+        </p:style>
+      </p:cxnSp>
+      <p:cxnSp>
+        <p:nvCxnSpPr>
+          <p:cNvPr id="49" name="Straight Arrow Connector 48">
+            <a:extLst>
+              <a:ext uri="{FF2B5EF4-FFF2-40B4-BE49-F238E27FC236}">
+                <a16:creationId xmlns:a16="http://schemas.microsoft.com/office/drawing/2014/main" id="{C2E727D2-4CD7-4663-B378-38893D0D6B34}"/>
+              </a:ext>
+            </a:extLst>
+          </p:cNvPr>
+          <p:cNvCxnSpPr>
+            <a:stCxn id="7" idx="6"/>
+            <a:endCxn id="42" idx="1"/>
+          </p:cNvCxnSpPr>
+          <p:nvPr/>
+        </p:nvCxnSpPr>
+        <p:spPr>
+          <a:xfrm flipV="1">
+            <a:off x="5903843" y="3347417"/>
+            <a:ext cx="1554292" cy="2"/>
+          </a:xfrm>
+          <a:prstGeom prst="straightConnector1">
+            <a:avLst/>
+          </a:prstGeom>
+          <a:ln>
+            <a:tailEnd type="triangle"/>
+          </a:ln>
+        </p:spPr>
+        <p:style>
+          <a:lnRef idx="1">
+            <a:schemeClr val="accent1"/>
+          </a:lnRef>
+          <a:fillRef idx="0">
+            <a:schemeClr val="accent1"/>
+          </a:fillRef>
+          <a:effectRef idx="0">
+            <a:schemeClr val="accent1"/>
+          </a:effectRef>
+          <a:fontRef idx="minor">
+            <a:schemeClr val="tx1"/>
+          </a:fontRef>
+        </p:style>
+      </p:cxnSp>
+      <p:cxnSp>
+        <p:nvCxnSpPr>
+          <p:cNvPr id="51" name="Straight Arrow Connector 50">
+            <a:extLst>
+              <a:ext uri="{FF2B5EF4-FFF2-40B4-BE49-F238E27FC236}">
+                <a16:creationId xmlns:a16="http://schemas.microsoft.com/office/drawing/2014/main" id="{10FB9B5D-50CC-44CA-A84A-42640433EF53}"/>
+              </a:ext>
+            </a:extLst>
+          </p:cNvPr>
+          <p:cNvCxnSpPr>
+            <a:stCxn id="7" idx="6"/>
+            <a:endCxn id="44" idx="1"/>
+          </p:cNvCxnSpPr>
+          <p:nvPr/>
+        </p:nvCxnSpPr>
+        <p:spPr>
+          <a:xfrm>
+            <a:off x="5903843" y="3347419"/>
+            <a:ext cx="1554291" cy="932206"/>
+          </a:xfrm>
+          <a:prstGeom prst="straightConnector1">
+            <a:avLst/>
+          </a:prstGeom>
+          <a:ln>
+            <a:tailEnd type="triangle"/>
+          </a:ln>
+        </p:spPr>
+        <p:style>
+          <a:lnRef idx="1">
+            <a:schemeClr val="accent1"/>
+          </a:lnRef>
+          <a:fillRef idx="0">
+            <a:schemeClr val="accent1"/>
+          </a:fillRef>
+          <a:effectRef idx="0">
+            <a:schemeClr val="accent1"/>
+          </a:effectRef>
+          <a:fontRef idx="minor">
+            <a:schemeClr val="tx1"/>
+          </a:fontRef>
+        </p:style>
+      </p:cxnSp>
+      <p:cxnSp>
+        <p:nvCxnSpPr>
+          <p:cNvPr id="53" name="Straight Arrow Connector 52">
+            <a:extLst>
+              <a:ext uri="{FF2B5EF4-FFF2-40B4-BE49-F238E27FC236}">
+                <a16:creationId xmlns:a16="http://schemas.microsoft.com/office/drawing/2014/main" id="{3AF3B83A-927C-417F-A7C4-76CD20F5AF5D}"/>
+              </a:ext>
+            </a:extLst>
+          </p:cNvPr>
+          <p:cNvCxnSpPr>
+            <a:stCxn id="9" idx="3"/>
+            <a:endCxn id="40" idx="2"/>
+          </p:cNvCxnSpPr>
+          <p:nvPr/>
+        </p:nvCxnSpPr>
+        <p:spPr>
+          <a:xfrm>
+            <a:off x="9465838" y="2415209"/>
+            <a:ext cx="1554294" cy="932210"/>
+          </a:xfrm>
+          <a:prstGeom prst="straightConnector1">
+            <a:avLst/>
+          </a:prstGeom>
+          <a:ln>
+            <a:tailEnd type="triangle"/>
+          </a:ln>
+        </p:spPr>
+        <p:style>
+          <a:lnRef idx="1">
+            <a:schemeClr val="accent1"/>
+          </a:lnRef>
+          <a:fillRef idx="0">
+            <a:schemeClr val="accent1"/>
+          </a:fillRef>
+          <a:effectRef idx="0">
+            <a:schemeClr val="accent1"/>
+          </a:effectRef>
+          <a:fontRef idx="minor">
+            <a:schemeClr val="tx1"/>
+          </a:fontRef>
+        </p:style>
+      </p:cxnSp>
+      <p:cxnSp>
+        <p:nvCxnSpPr>
+          <p:cNvPr id="55" name="Straight Arrow Connector 54">
+            <a:extLst>
+              <a:ext uri="{FF2B5EF4-FFF2-40B4-BE49-F238E27FC236}">
+                <a16:creationId xmlns:a16="http://schemas.microsoft.com/office/drawing/2014/main" id="{52F7EAEF-D0C1-44BA-AE83-FCB197972E09}"/>
+              </a:ext>
+            </a:extLst>
+          </p:cNvPr>
+          <p:cNvCxnSpPr>
+            <a:stCxn id="42" idx="3"/>
+            <a:endCxn id="40" idx="2"/>
+          </p:cNvCxnSpPr>
+          <p:nvPr/>
+        </p:nvCxnSpPr>
+        <p:spPr>
+          <a:xfrm>
+            <a:off x="9465840" y="3347417"/>
+            <a:ext cx="1554292" cy="2"/>
+          </a:xfrm>
+          <a:prstGeom prst="straightConnector1">
+            <a:avLst/>
+          </a:prstGeom>
+          <a:ln>
+            <a:tailEnd type="triangle"/>
+          </a:ln>
+        </p:spPr>
+        <p:style>
+          <a:lnRef idx="1">
+            <a:schemeClr val="accent1"/>
+          </a:lnRef>
+          <a:fillRef idx="0">
+            <a:schemeClr val="accent1"/>
+          </a:fillRef>
+          <a:effectRef idx="0">
+            <a:schemeClr val="accent1"/>
+          </a:effectRef>
+          <a:fontRef idx="minor">
+            <a:schemeClr val="tx1"/>
+          </a:fontRef>
+        </p:style>
+      </p:cxnSp>
+      <p:cxnSp>
+        <p:nvCxnSpPr>
+          <p:cNvPr id="57" name="Straight Arrow Connector 56">
+            <a:extLst>
+              <a:ext uri="{FF2B5EF4-FFF2-40B4-BE49-F238E27FC236}">
+                <a16:creationId xmlns:a16="http://schemas.microsoft.com/office/drawing/2014/main" id="{D7521E3A-1041-4075-8A4F-DD9BA6F86108}"/>
+              </a:ext>
+            </a:extLst>
+          </p:cNvPr>
+          <p:cNvCxnSpPr>
+            <a:stCxn id="44" idx="3"/>
+            <a:endCxn id="40" idx="2"/>
+          </p:cNvCxnSpPr>
+          <p:nvPr/>
+        </p:nvCxnSpPr>
+        <p:spPr>
+          <a:xfrm flipV="1">
+            <a:off x="9465839" y="3347419"/>
+            <a:ext cx="1554293" cy="932206"/>
+          </a:xfrm>
+          <a:prstGeom prst="straightConnector1">
+            <a:avLst/>
+          </a:prstGeom>
+          <a:ln>
+            <a:tailEnd type="triangle"/>
+          </a:ln>
+        </p:spPr>
+        <p:style>
+          <a:lnRef idx="1">
+            <a:schemeClr val="accent1"/>
+          </a:lnRef>
+          <a:fillRef idx="0">
+            <a:schemeClr val="accent1"/>
+          </a:fillRef>
+          <a:effectRef idx="0">
+            <a:schemeClr val="accent1"/>
+          </a:effectRef>
+          <a:fontRef idx="minor">
+            <a:schemeClr val="tx1"/>
+          </a:fontRef>
+        </p:style>
+      </p:cxnSp>
+      <p:sp>
+        <p:nvSpPr>
+          <p:cNvPr id="58" name="TextBox 57">
+            <a:extLst>
+              <a:ext uri="{FF2B5EF4-FFF2-40B4-BE49-F238E27FC236}">
+                <a16:creationId xmlns:a16="http://schemas.microsoft.com/office/drawing/2014/main" id="{B3A712B8-BAD6-431F-B802-7A71FA8520B1}"/>
+              </a:ext>
+            </a:extLst>
+          </p:cNvPr>
+          <p:cNvSpPr txBox="1"/>
+          <p:nvPr/>
+        </p:nvSpPr>
+        <p:spPr>
+          <a:xfrm rot="19783613">
+            <a:off x="6411607" y="2406681"/>
+            <a:ext cx="746688" cy="369332"/>
+          </a:xfrm>
+          <a:prstGeom prst="rect">
+            <a:avLst/>
+          </a:prstGeom>
+          <a:noFill/>
+        </p:spPr>
+        <p:txBody>
+          <a:bodyPr wrap="square" rtlCol="0">
+            <a:spAutoFit/>
+          </a:bodyPr>
           <a:lstStyle/>
           <a:p>
             <a:r>
               <a:rPr lang="en-US" dirty="0"/>
-              <a:t>Unknown Tokens</a:t>
+              <a:t>$ | R</a:t>
             </a:r>
             <a:endParaRPr lang="en-PH" dirty="0"/>
           </a:p>
@@ -16625,34 +20389,179 @@
       </p:sp>
       <p:sp>
         <p:nvSpPr>
-          <p:cNvPr id="3" name="Content Placeholder 2">
+          <p:cNvPr id="59" name="TextBox 58">
             <a:extLst>
               <a:ext uri="{FF2B5EF4-FFF2-40B4-BE49-F238E27FC236}">
-                <a16:creationId xmlns:a16="http://schemas.microsoft.com/office/drawing/2014/main" id="{E57FCA3D-7242-4C1B-B27F-E33DBC077AD7}"/>
+                <a16:creationId xmlns:a16="http://schemas.microsoft.com/office/drawing/2014/main" id="{1061131F-A3B6-4F4A-B3A4-751DA7F0F714}"/>
               </a:ext>
             </a:extLst>
           </p:cNvPr>
-          <p:cNvSpPr>
-            <a:spLocks noGrp="1"/>
-          </p:cNvSpPr>
-          <p:nvPr>
-            <p:ph idx="1"/>
-          </p:nvPr>
+          <p:cNvSpPr txBox="1"/>
+          <p:nvPr/>
         </p:nvSpPr>
-        <p:spPr/>
+        <p:spPr>
+          <a:xfrm>
+            <a:off x="6493433" y="2994232"/>
+            <a:ext cx="746688" cy="369332"/>
+          </a:xfrm>
+          <a:prstGeom prst="rect">
+            <a:avLst/>
+          </a:prstGeom>
+          <a:noFill/>
+        </p:spPr>
         <p:txBody>
-          <a:bodyPr/>
+          <a:bodyPr wrap="square" rtlCol="0">
+            <a:spAutoFit/>
+          </a:bodyPr>
           <a:lstStyle/>
           <a:p>
             <a:r>
               <a:rPr lang="en-US" dirty="0"/>
-              <a:t>All unknown tokens are identified with ERROR token type</a:t>
+              <a:t>$ | F</a:t>
             </a:r>
+            <a:endParaRPr lang="en-PH" dirty="0"/>
           </a:p>
+        </p:txBody>
+      </p:sp>
+      <p:sp>
+        <p:nvSpPr>
+          <p:cNvPr id="60" name="TextBox 59">
+            <a:extLst>
+              <a:ext uri="{FF2B5EF4-FFF2-40B4-BE49-F238E27FC236}">
+                <a16:creationId xmlns:a16="http://schemas.microsoft.com/office/drawing/2014/main" id="{11D06190-4BE3-4F04-AE2F-F4F249794BEC}"/>
+              </a:ext>
+            </a:extLst>
+          </p:cNvPr>
+          <p:cNvSpPr txBox="1"/>
+          <p:nvPr/>
+        </p:nvSpPr>
+        <p:spPr>
+          <a:xfrm rot="1865925">
+            <a:off x="6666931" y="3557578"/>
+            <a:ext cx="389580" cy="369332"/>
+          </a:xfrm>
+          <a:prstGeom prst="rect">
+            <a:avLst/>
+          </a:prstGeom>
+          <a:noFill/>
+        </p:spPr>
+        <p:txBody>
+          <a:bodyPr wrap="square" rtlCol="0">
+            <a:spAutoFit/>
+          </a:bodyPr>
+          <a:lstStyle/>
           <a:p>
             <a:r>
               <a:rPr lang="en-US" dirty="0"/>
-              <a:t>This does not include whitespace tokens (i.e. “ ”, “\n”) which return null</a:t>
+              <a:t>D</a:t>
+            </a:r>
+            <a:endParaRPr lang="en-PH" dirty="0"/>
+          </a:p>
+        </p:txBody>
+      </p:sp>
+      <p:sp>
+        <p:nvSpPr>
+          <p:cNvPr id="61" name="TextBox 60">
+            <a:extLst>
+              <a:ext uri="{FF2B5EF4-FFF2-40B4-BE49-F238E27FC236}">
+                <a16:creationId xmlns:a16="http://schemas.microsoft.com/office/drawing/2014/main" id="{443F58E5-6AFD-426C-B62E-E1A9E67BFC47}"/>
+              </a:ext>
+            </a:extLst>
+          </p:cNvPr>
+          <p:cNvSpPr txBox="1"/>
+          <p:nvPr/>
+        </p:nvSpPr>
+        <p:spPr>
+          <a:xfrm rot="1865925">
+            <a:off x="10042330" y="2518777"/>
+            <a:ext cx="389580" cy="369332"/>
+          </a:xfrm>
+          <a:prstGeom prst="rect">
+            <a:avLst/>
+          </a:prstGeom>
+          <a:noFill/>
+        </p:spPr>
+        <p:txBody>
+          <a:bodyPr wrap="square" rtlCol="0">
+            <a:spAutoFit/>
+          </a:bodyPr>
+          <a:lstStyle/>
+          <a:p>
+            <a:r>
+              <a:rPr lang="el-GR" dirty="0"/>
+              <a:t>ε</a:t>
+            </a:r>
+            <a:endParaRPr lang="en-PH" dirty="0"/>
+          </a:p>
+        </p:txBody>
+      </p:sp>
+      <p:sp>
+        <p:nvSpPr>
+          <p:cNvPr id="62" name="TextBox 61">
+            <a:extLst>
+              <a:ext uri="{FF2B5EF4-FFF2-40B4-BE49-F238E27FC236}">
+                <a16:creationId xmlns:a16="http://schemas.microsoft.com/office/drawing/2014/main" id="{D15928FB-A59E-488C-9D75-AE8F41980C65}"/>
+              </a:ext>
+            </a:extLst>
+          </p:cNvPr>
+          <p:cNvSpPr txBox="1"/>
+          <p:nvPr/>
+        </p:nvSpPr>
+        <p:spPr>
+          <a:xfrm>
+            <a:off x="10042330" y="3020121"/>
+            <a:ext cx="389580" cy="369332"/>
+          </a:xfrm>
+          <a:prstGeom prst="rect">
+            <a:avLst/>
+          </a:prstGeom>
+          <a:noFill/>
+        </p:spPr>
+        <p:txBody>
+          <a:bodyPr wrap="square" rtlCol="0">
+            <a:spAutoFit/>
+          </a:bodyPr>
+          <a:lstStyle/>
+          <a:p>
+            <a:r>
+              <a:rPr lang="el-GR" dirty="0"/>
+              <a:t>ε</a:t>
+            </a:r>
+            <a:endParaRPr lang="en-PH" dirty="0"/>
+          </a:p>
+        </p:txBody>
+      </p:sp>
+      <p:sp>
+        <p:nvSpPr>
+          <p:cNvPr id="63" name="TextBox 62">
+            <a:extLst>
+              <a:ext uri="{FF2B5EF4-FFF2-40B4-BE49-F238E27FC236}">
+                <a16:creationId xmlns:a16="http://schemas.microsoft.com/office/drawing/2014/main" id="{2076C7AE-4888-4DBF-BF41-4B93457FB2E6}"/>
+              </a:ext>
+            </a:extLst>
+          </p:cNvPr>
+          <p:cNvSpPr txBox="1"/>
+          <p:nvPr/>
+        </p:nvSpPr>
+        <p:spPr>
+          <a:xfrm rot="19761659">
+            <a:off x="10042329" y="3465801"/>
+            <a:ext cx="389580" cy="369332"/>
+          </a:xfrm>
+          <a:prstGeom prst="rect">
+            <a:avLst/>
+          </a:prstGeom>
+          <a:noFill/>
+        </p:spPr>
+        <p:txBody>
+          <a:bodyPr wrap="square" rtlCol="0">
+            <a:spAutoFit/>
+          </a:bodyPr>
+          <a:lstStyle/>
+          <a:p>
+            <a:r>
+              <a:rPr lang="el-GR" dirty="0"/>
+              <a:t>ε</a:t>
             </a:r>
             <a:endParaRPr lang="en-PH" dirty="0"/>
           </a:p>
@@ -16661,7 +20570,7 @@
     </p:spTree>
     <p:extLst>
       <p:ext uri="{BB962C8B-B14F-4D97-AF65-F5344CB8AC3E}">
-        <p14:creationId xmlns:p14="http://schemas.microsoft.com/office/powerpoint/2010/main" val="1690169498"/>
+        <p14:creationId xmlns:p14="http://schemas.microsoft.com/office/powerpoint/2010/main" val="2809826211"/>
       </p:ext>
     </p:extLst>
   </p:cSld>
